--- a/thesis_writing/ppx_wip.pptx
+++ b/thesis_writing/ppx_wip.pptx
@@ -3786,7 +3786,7 @@
               <a:t> and </a:t>
             </a:r>
             <a:r>
-              <a:rPr lang="it-IT"/>
+              <a:rPr lang="it-IT" dirty="0" err="1"/>
               <a:t>offs</a:t>
             </a:r>
             <a:endParaRPr lang="it-IT" dirty="0"/>

--- a/thesis_writing/ppx_wip.pptx
+++ b/thesis_writing/ppx_wip.pptx
@@ -5,23 +5,26 @@
     <p:sldMasterId id="2147483648" r:id="rId1"/>
   </p:sldMasterIdLst>
   <p:notesMasterIdLst>
-    <p:notesMasterId r:id="rId16"/>
+    <p:notesMasterId r:id="rId19"/>
   </p:notesMasterIdLst>
   <p:sldIdLst>
     <p:sldId id="256" r:id="rId2"/>
-    <p:sldId id="259" r:id="rId3"/>
-    <p:sldId id="261" r:id="rId4"/>
-    <p:sldId id="262" r:id="rId5"/>
-    <p:sldId id="260" r:id="rId6"/>
-    <p:sldId id="263" r:id="rId7"/>
-    <p:sldId id="264" r:id="rId8"/>
-    <p:sldId id="265" r:id="rId9"/>
-    <p:sldId id="267" r:id="rId10"/>
-    <p:sldId id="266" r:id="rId11"/>
-    <p:sldId id="271" r:id="rId12"/>
-    <p:sldId id="269" r:id="rId13"/>
-    <p:sldId id="270" r:id="rId14"/>
-    <p:sldId id="268" r:id="rId15"/>
+    <p:sldId id="272" r:id="rId3"/>
+    <p:sldId id="273" r:id="rId4"/>
+    <p:sldId id="276" r:id="rId5"/>
+    <p:sldId id="259" r:id="rId6"/>
+    <p:sldId id="261" r:id="rId7"/>
+    <p:sldId id="262" r:id="rId8"/>
+    <p:sldId id="270" r:id="rId9"/>
+    <p:sldId id="274" r:id="rId10"/>
+    <p:sldId id="271" r:id="rId11"/>
+    <p:sldId id="268" r:id="rId12"/>
+    <p:sldId id="260" r:id="rId13"/>
+    <p:sldId id="263" r:id="rId14"/>
+    <p:sldId id="264" r:id="rId15"/>
+    <p:sldId id="265" r:id="rId16"/>
+    <p:sldId id="266" r:id="rId17"/>
+    <p:sldId id="269" r:id="rId18"/>
   </p:sldIdLst>
   <p:sldSz cx="12192000" cy="6858000"/>
   <p:notesSz cx="6858000" cy="9144000"/>
@@ -210,7 +213,7 @@
           <a:p>
             <a:fld id="{EA8FC050-9C1D-4A44-B4C3-0E30B77BCAC1}" type="datetimeFigureOut">
               <a:rPr lang="it-IT" smtClean="0"/>
-              <a:t>06/03/24</a:t>
+              <a:t>18/03/24</a:t>
             </a:fld>
             <a:endParaRPr lang="it-IT"/>
           </a:p>
@@ -1599,15 +1602,20 @@
           <a:p>
             <a:r>
               <a:rPr lang="it-IT" dirty="0"/>
-              <a:t>EEG Model</a:t>
-            </a:r>
+              <a:t>Data </a:t>
+            </a:r>
+            <a:r>
+              <a:rPr lang="it-IT" dirty="0" err="1"/>
+              <a:t>imbalance</a:t>
+            </a:r>
+            <a:endParaRPr lang="it-IT" dirty="0"/>
           </a:p>
         </p:txBody>
       </p:sp>
     </p:spTree>
     <p:extLst>
       <p:ext uri="{BB962C8B-B14F-4D97-AF65-F5344CB8AC3E}">
-        <p14:creationId xmlns:p14="http://schemas.microsoft.com/office/powerpoint/2010/main" val="4217787338"/>
+        <p14:creationId xmlns:p14="http://schemas.microsoft.com/office/powerpoint/2010/main" val="71656206"/>
       </p:ext>
     </p:extLst>
   </p:cSld>
@@ -1677,12 +1685,8 @@
           <a:lstStyle/>
           <a:p>
             <a:r>
-              <a:rPr lang="it-IT" dirty="0"/>
-              <a:t>Data </a:t>
-            </a:r>
-            <a:r>
               <a:rPr lang="it-IT" dirty="0" err="1"/>
-              <a:t>imbalance</a:t>
+              <a:t>Results</a:t>
             </a:r>
             <a:endParaRPr lang="it-IT" dirty="0"/>
           </a:p>
@@ -1691,7 +1695,7 @@
     </p:spTree>
     <p:extLst>
       <p:ext uri="{BB962C8B-B14F-4D97-AF65-F5344CB8AC3E}">
-        <p14:creationId xmlns:p14="http://schemas.microsoft.com/office/powerpoint/2010/main" val="71656206"/>
+        <p14:creationId xmlns:p14="http://schemas.microsoft.com/office/powerpoint/2010/main" val="1241652751"/>
       </p:ext>
     </p:extLst>
   </p:cSld>
@@ -1761,21 +1765,182 @@
           <a:lstStyle/>
           <a:p>
             <a:r>
-              <a:rPr lang="it-IT" dirty="0"/>
-              <a:t>5-Fold </a:t>
-            </a:r>
-            <a:r>
               <a:rPr lang="it-IT" dirty="0" err="1"/>
-              <a:t>Validation</a:t>
+              <a:t>Downsample</a:t>
             </a:r>
             <a:endParaRPr lang="it-IT" dirty="0"/>
+          </a:p>
+        </p:txBody>
+      </p:sp>
+      <p:pic>
+        <p:nvPicPr>
+          <p:cNvPr id="5" name="Picture 4">
+            <a:extLst>
+              <a:ext uri="{FF2B5EF4-FFF2-40B4-BE49-F238E27FC236}">
+                <a16:creationId xmlns:a16="http://schemas.microsoft.com/office/drawing/2014/main" id="{5A7E6B77-91F3-5C5C-B623-2282E3C5AA19}"/>
+              </a:ext>
+            </a:extLst>
+          </p:cNvPr>
+          <p:cNvPicPr>
+            <a:picLocks noChangeAspect="1"/>
+          </p:cNvPicPr>
+          <p:nvPr/>
+        </p:nvPicPr>
+        <p:blipFill>
+          <a:blip r:embed="rId2"/>
+          <a:stretch>
+            <a:fillRect/>
+          </a:stretch>
+        </p:blipFill>
+        <p:spPr>
+          <a:xfrm>
+            <a:off x="483290" y="2332915"/>
+            <a:ext cx="5008604" cy="3837378"/>
+          </a:xfrm>
+          <a:prstGeom prst="rect">
+            <a:avLst/>
+          </a:prstGeom>
+        </p:spPr>
+      </p:pic>
+      <p:pic>
+        <p:nvPicPr>
+          <p:cNvPr id="6" name="Picture 5">
+            <a:extLst>
+              <a:ext uri="{FF2B5EF4-FFF2-40B4-BE49-F238E27FC236}">
+                <a16:creationId xmlns:a16="http://schemas.microsoft.com/office/drawing/2014/main" id="{F5CEDB97-C363-0DBF-27C5-CF090AEBB0F2}"/>
+              </a:ext>
+            </a:extLst>
+          </p:cNvPr>
+          <p:cNvPicPr>
+            <a:picLocks noChangeAspect="1"/>
+          </p:cNvPicPr>
+          <p:nvPr/>
+        </p:nvPicPr>
+        <p:blipFill>
+          <a:blip r:embed="rId3"/>
+          <a:stretch>
+            <a:fillRect/>
+          </a:stretch>
+        </p:blipFill>
+        <p:spPr>
+          <a:xfrm>
+            <a:off x="6488326" y="2332915"/>
+            <a:ext cx="5156744" cy="3624630"/>
+          </a:xfrm>
+          <a:prstGeom prst="rect">
+            <a:avLst/>
+          </a:prstGeom>
+        </p:spPr>
+      </p:pic>
+      <p:sp>
+        <p:nvSpPr>
+          <p:cNvPr id="7" name="TextBox 6">
+            <a:extLst>
+              <a:ext uri="{FF2B5EF4-FFF2-40B4-BE49-F238E27FC236}">
+                <a16:creationId xmlns:a16="http://schemas.microsoft.com/office/drawing/2014/main" id="{BB59488E-FB05-847E-9420-13330E9AB8F1}"/>
+              </a:ext>
+            </a:extLst>
+          </p:cNvPr>
+          <p:cNvSpPr txBox="1"/>
+          <p:nvPr/>
+        </p:nvSpPr>
+        <p:spPr>
+          <a:xfrm>
+            <a:off x="2288314" y="5877004"/>
+            <a:ext cx="1083785" cy="369332"/>
+          </a:xfrm>
+          <a:prstGeom prst="rect">
+            <a:avLst/>
+          </a:prstGeom>
+          <a:noFill/>
+        </p:spPr>
+        <p:txBody>
+          <a:bodyPr wrap="square" rtlCol="0">
+            <a:spAutoFit/>
+          </a:bodyPr>
+          <a:lstStyle/>
+          <a:p>
+            <a:r>
+              <a:rPr lang="en-IT" dirty="0"/>
+              <a:t>30Khz</a:t>
+            </a:r>
+          </a:p>
+        </p:txBody>
+      </p:sp>
+      <p:sp>
+        <p:nvSpPr>
+          <p:cNvPr id="8" name="TextBox 7">
+            <a:extLst>
+              <a:ext uri="{FF2B5EF4-FFF2-40B4-BE49-F238E27FC236}">
+                <a16:creationId xmlns:a16="http://schemas.microsoft.com/office/drawing/2014/main" id="{E5ADA3A0-607E-C813-44FB-09989FC4E5E1}"/>
+              </a:ext>
+            </a:extLst>
+          </p:cNvPr>
+          <p:cNvSpPr txBox="1"/>
+          <p:nvPr/>
+        </p:nvSpPr>
+        <p:spPr>
+          <a:xfrm>
+            <a:off x="8981814" y="5877004"/>
+            <a:ext cx="2384854" cy="369332"/>
+          </a:xfrm>
+          <a:prstGeom prst="rect">
+            <a:avLst/>
+          </a:prstGeom>
+          <a:noFill/>
+        </p:spPr>
+        <p:txBody>
+          <a:bodyPr wrap="square" rtlCol="0">
+            <a:spAutoFit/>
+          </a:bodyPr>
+          <a:lstStyle/>
+          <a:p>
+            <a:r>
+              <a:rPr lang="en-IT" dirty="0"/>
+              <a:t>5Khz</a:t>
+            </a:r>
+          </a:p>
+        </p:txBody>
+      </p:sp>
+      <p:sp>
+        <p:nvSpPr>
+          <p:cNvPr id="9" name="TextBox 8">
+            <a:extLst>
+              <a:ext uri="{FF2B5EF4-FFF2-40B4-BE49-F238E27FC236}">
+                <a16:creationId xmlns:a16="http://schemas.microsoft.com/office/drawing/2014/main" id="{CC2234F3-AB60-65FA-DDB2-EBF6FD22BA3C}"/>
+              </a:ext>
+            </a:extLst>
+          </p:cNvPr>
+          <p:cNvSpPr txBox="1"/>
+          <p:nvPr/>
+        </p:nvSpPr>
+        <p:spPr>
+          <a:xfrm>
+            <a:off x="319725" y="1541648"/>
+            <a:ext cx="11660150" cy="369332"/>
+          </a:xfrm>
+          <a:prstGeom prst="rect">
+            <a:avLst/>
+          </a:prstGeom>
+          <a:noFill/>
+        </p:spPr>
+        <p:txBody>
+          <a:bodyPr wrap="square" rtlCol="0">
+            <a:spAutoFit/>
+          </a:bodyPr>
+          <a:lstStyle/>
+          <a:p>
+            <a:r>
+              <a:rPr lang="en-IT" dirty="0"/>
+              <a:t>We downsample the signal to reduce calculation complexity without losing too much information from the origianl signal</a:t>
+            </a:r>
           </a:p>
         </p:txBody>
       </p:sp>
     </p:spTree>
     <p:extLst>
       <p:ext uri="{BB962C8B-B14F-4D97-AF65-F5344CB8AC3E}">
-        <p14:creationId xmlns:p14="http://schemas.microsoft.com/office/powerpoint/2010/main" val="499710371"/>
+        <p14:creationId xmlns:p14="http://schemas.microsoft.com/office/powerpoint/2010/main" val="3682577282"/>
       </p:ext>
     </p:extLst>
   </p:cSld>
@@ -1845,27 +2010,18 @@
           <a:lstStyle/>
           <a:p>
             <a:r>
-              <a:rPr lang="it-IT" dirty="0" err="1"/>
-              <a:t>Ensamble</a:t>
-            </a:r>
-            <a:r>
               <a:rPr lang="it-IT" dirty="0"/>
-              <a:t> </a:t>
-            </a:r>
-            <a:r>
-              <a:rPr lang="it-IT" dirty="0" err="1"/>
-              <a:t>method</a:t>
-            </a:r>
-            <a:endParaRPr lang="it-IT" dirty="0"/>
-          </a:p>
-        </p:txBody>
-      </p:sp>
-      <p:sp>
-        <p:nvSpPr>
-          <p:cNvPr id="4" name="TextBox 3">
+              <a:t>Time on / Time off</a:t>
+            </a:r>
+          </a:p>
+        </p:txBody>
+      </p:sp>
+      <p:sp>
+        <p:nvSpPr>
+          <p:cNvPr id="6" name="TextBox 5">
             <a:extLst>
               <a:ext uri="{FF2B5EF4-FFF2-40B4-BE49-F238E27FC236}">
-                <a16:creationId xmlns:a16="http://schemas.microsoft.com/office/drawing/2014/main" id="{0C46C8B1-3119-D3D4-172C-4466B23341BB}"/>
+                <a16:creationId xmlns:a16="http://schemas.microsoft.com/office/drawing/2014/main" id="{8A6FE9D8-AB89-0D26-3CC4-CD79BEC6F985}"/>
               </a:ext>
             </a:extLst>
           </p:cNvPr>
@@ -1890,15 +2046,132 @@
           <a:p>
             <a:r>
               <a:rPr lang="en-IT" sz="2400" dirty="0"/>
-              <a:t>Maybe keep big well-trained general models to ensamble with the one we train fast with the patient</a:t>
-            </a:r>
-          </a:p>
-        </p:txBody>
-      </p:sp>
+              <a:t>We have downsampled the signal but we still need to find the part of the signals where the actual actions happens. </a:t>
+            </a:r>
+          </a:p>
+        </p:txBody>
+      </p:sp>
+      <p:sp>
+        <p:nvSpPr>
+          <p:cNvPr id="7" name="TextBox 6">
+            <a:extLst>
+              <a:ext uri="{FF2B5EF4-FFF2-40B4-BE49-F238E27FC236}">
+                <a16:creationId xmlns:a16="http://schemas.microsoft.com/office/drawing/2014/main" id="{2A21DA93-3870-81B0-3D0B-DEA0E23CAC4E}"/>
+              </a:ext>
+            </a:extLst>
+          </p:cNvPr>
+          <p:cNvSpPr txBox="1"/>
+          <p:nvPr/>
+        </p:nvSpPr>
+        <p:spPr>
+          <a:xfrm>
+            <a:off x="558642" y="2348803"/>
+            <a:ext cx="4311532" cy="3814578"/>
+          </a:xfrm>
+          <a:prstGeom prst="rect">
+            <a:avLst/>
+          </a:prstGeom>
+        </p:spPr>
+        <p:txBody>
+          <a:bodyPr vert="horz" lIns="91440" tIns="45720" rIns="91440" bIns="45720" rtlCol="0" anchor="t">
+            <a:normAutofit/>
+          </a:bodyPr>
+          <a:lstStyle/>
+          <a:p>
+            <a:pPr indent="-228600">
+              <a:lnSpc>
+                <a:spcPct val="90000"/>
+              </a:lnSpc>
+              <a:spcAft>
+                <a:spcPts val="600"/>
+              </a:spcAft>
+              <a:buFont typeface="Arial" panose="020B0604020202020204" pitchFamily="34" charset="0"/>
+              <a:buChar char="•"/>
+            </a:pPr>
+            <a:r>
+              <a:rPr lang="en-IT" sz="2400" dirty="0"/>
+              <a:t>For Proprioception and Touch we can start by reading the .nev files included in the dataset</a:t>
+            </a:r>
+          </a:p>
+          <a:p>
+            <a:pPr>
+              <a:lnSpc>
+                <a:spcPct val="90000"/>
+              </a:lnSpc>
+              <a:spcAft>
+                <a:spcPts val="600"/>
+              </a:spcAft>
+            </a:pPr>
+            <a:endParaRPr lang="en-US" sz="2400" dirty="0">
+              <a:effectLst/>
+            </a:endParaRPr>
+          </a:p>
+          <a:p>
+            <a:pPr indent="-228600">
+              <a:lnSpc>
+                <a:spcPct val="90000"/>
+              </a:lnSpc>
+              <a:spcAft>
+                <a:spcPts val="600"/>
+              </a:spcAft>
+              <a:buFont typeface="Arial" panose="020B0604020202020204" pitchFamily="34" charset="0"/>
+              <a:buChar char="•"/>
+            </a:pPr>
+            <a:r>
+              <a:rPr lang="en-US" sz="2400" dirty="0">
+                <a:effectLst/>
+              </a:rPr>
+              <a:t>For </a:t>
+            </a:r>
+            <a:r>
+              <a:rPr lang="en-US" sz="2400" dirty="0" err="1">
+                <a:effectLst/>
+              </a:rPr>
+              <a:t>Noci</a:t>
+            </a:r>
+            <a:r>
+              <a:rPr lang="en-US" sz="2400" dirty="0">
+                <a:effectLst/>
+              </a:rPr>
+              <a:t>… we must use a different approach by detecting when the signal is higher than a certain thresholds we find empirically</a:t>
+            </a:r>
+          </a:p>
+        </p:txBody>
+      </p:sp>
+      <p:pic>
+        <p:nvPicPr>
+          <p:cNvPr id="8" name="Picture 7">
+            <a:extLst>
+              <a:ext uri="{FF2B5EF4-FFF2-40B4-BE49-F238E27FC236}">
+                <a16:creationId xmlns:a16="http://schemas.microsoft.com/office/drawing/2014/main" id="{8C6B466E-224F-9159-5F4E-C61C4BEA8547}"/>
+              </a:ext>
+            </a:extLst>
+          </p:cNvPr>
+          <p:cNvPicPr>
+            <a:picLocks noChangeAspect="1"/>
+          </p:cNvPicPr>
+          <p:nvPr/>
+        </p:nvPicPr>
+        <p:blipFill>
+          <a:blip r:embed="rId2"/>
+          <a:stretch>
+            <a:fillRect/>
+          </a:stretch>
+        </p:blipFill>
+        <p:spPr>
+          <a:xfrm>
+            <a:off x="6078597" y="1805133"/>
+            <a:ext cx="5554761" cy="3904393"/>
+          </a:xfrm>
+          <a:prstGeom prst="rect">
+            <a:avLst/>
+          </a:prstGeom>
+        </p:spPr>
+      </p:pic>
     </p:spTree>
     <p:extLst>
       <p:ext uri="{BB962C8B-B14F-4D97-AF65-F5344CB8AC3E}">
-        <p14:creationId xmlns:p14="http://schemas.microsoft.com/office/powerpoint/2010/main" val="2312121813"/>
+        <p14:creationId xmlns:p14="http://schemas.microsoft.com/office/powerpoint/2010/main" val="27904677"/>
       </p:ext>
     </p:extLst>
   </p:cSld>
@@ -1968,17 +2241,437 @@
           <a:lstStyle/>
           <a:p>
             <a:r>
-              <a:rPr lang="it-IT" dirty="0" err="1"/>
-              <a:t>Results</a:t>
-            </a:r>
-            <a:endParaRPr lang="it-IT" dirty="0"/>
+              <a:rPr lang="it-IT" dirty="0"/>
+              <a:t>Time on / Time off</a:t>
+            </a:r>
+          </a:p>
+        </p:txBody>
+      </p:sp>
+      <p:pic>
+        <p:nvPicPr>
+          <p:cNvPr id="4" name="Picture 3">
+            <a:extLst>
+              <a:ext uri="{FF2B5EF4-FFF2-40B4-BE49-F238E27FC236}">
+                <a16:creationId xmlns:a16="http://schemas.microsoft.com/office/drawing/2014/main" id="{89C4BA09-CDDA-3C84-481C-C7D5A9E426B5}"/>
+              </a:ext>
+            </a:extLst>
+          </p:cNvPr>
+          <p:cNvPicPr>
+            <a:picLocks noChangeAspect="1"/>
+          </p:cNvPicPr>
+          <p:nvPr/>
+        </p:nvPicPr>
+        <p:blipFill>
+          <a:blip r:embed="rId2"/>
+          <a:stretch>
+            <a:fillRect/>
+          </a:stretch>
+        </p:blipFill>
+        <p:spPr>
+          <a:xfrm>
+            <a:off x="6078597" y="1805133"/>
+            <a:ext cx="5554761" cy="3904393"/>
+          </a:xfrm>
+          <a:prstGeom prst="rect">
+            <a:avLst/>
+          </a:prstGeom>
+        </p:spPr>
+      </p:pic>
+      <p:sp>
+        <p:nvSpPr>
+          <p:cNvPr id="6" name="TextBox 5">
+            <a:extLst>
+              <a:ext uri="{FF2B5EF4-FFF2-40B4-BE49-F238E27FC236}">
+                <a16:creationId xmlns:a16="http://schemas.microsoft.com/office/drawing/2014/main" id="{B5C21E4D-3547-791C-7EB4-A0A30047983F}"/>
+              </a:ext>
+            </a:extLst>
+          </p:cNvPr>
+          <p:cNvSpPr txBox="1"/>
+          <p:nvPr/>
+        </p:nvSpPr>
+        <p:spPr>
+          <a:xfrm>
+            <a:off x="558641" y="1302026"/>
+            <a:ext cx="5017211" cy="4861355"/>
+          </a:xfrm>
+          <a:prstGeom prst="rect">
+            <a:avLst/>
+          </a:prstGeom>
+        </p:spPr>
+        <p:txBody>
+          <a:bodyPr vert="horz" lIns="91440" tIns="45720" rIns="91440" bIns="45720" rtlCol="0" anchor="t">
+            <a:normAutofit/>
+          </a:bodyPr>
+          <a:lstStyle/>
+          <a:p>
+            <a:pPr indent="-228600">
+              <a:lnSpc>
+                <a:spcPct val="90000"/>
+              </a:lnSpc>
+              <a:spcAft>
+                <a:spcPts val="600"/>
+              </a:spcAft>
+              <a:buFont typeface="Arial" panose="020B0604020202020204" pitchFamily="34" charset="0"/>
+              <a:buChar char="•"/>
+            </a:pPr>
+            <a:r>
+              <a:rPr lang="en-IT" sz="2400" dirty="0"/>
+              <a:t>For Proprioception </a:t>
+            </a:r>
+            <a:r>
+              <a:rPr lang="en-US" sz="2400" dirty="0"/>
+              <a:t>we add 250ms to the time-on data point and take 2.5 seconds from there</a:t>
+            </a:r>
+          </a:p>
+          <a:p>
+            <a:pPr indent="-228600">
+              <a:lnSpc>
+                <a:spcPct val="90000"/>
+              </a:lnSpc>
+              <a:spcAft>
+                <a:spcPts val="600"/>
+              </a:spcAft>
+              <a:buFont typeface="Arial" panose="020B0604020202020204" pitchFamily="34" charset="0"/>
+              <a:buChar char="•"/>
+            </a:pPr>
+            <a:endParaRPr lang="en-US" sz="2400" dirty="0"/>
+          </a:p>
+          <a:p>
+            <a:pPr indent="-228600">
+              <a:lnSpc>
+                <a:spcPct val="90000"/>
+              </a:lnSpc>
+              <a:spcAft>
+                <a:spcPts val="600"/>
+              </a:spcAft>
+              <a:buFont typeface="Arial" panose="020B0604020202020204" pitchFamily="34" charset="0"/>
+              <a:buChar char="•"/>
+            </a:pPr>
+            <a:r>
+              <a:rPr lang="en-US" sz="2400" dirty="0"/>
+              <a:t>For Touch we add 500ms to the time-on data point and then take 2.5 seconds.</a:t>
+            </a:r>
+          </a:p>
+          <a:p>
+            <a:pPr indent="-228600">
+              <a:lnSpc>
+                <a:spcPct val="90000"/>
+              </a:lnSpc>
+              <a:spcAft>
+                <a:spcPts val="600"/>
+              </a:spcAft>
+              <a:buFont typeface="Arial" panose="020B0604020202020204" pitchFamily="34" charset="0"/>
+              <a:buChar char="•"/>
+            </a:pPr>
+            <a:endParaRPr lang="en-US" sz="2400" dirty="0"/>
+          </a:p>
+          <a:p>
+            <a:pPr indent="-228600">
+              <a:lnSpc>
+                <a:spcPct val="90000"/>
+              </a:lnSpc>
+              <a:spcAft>
+                <a:spcPts val="600"/>
+              </a:spcAft>
+              <a:buFont typeface="Arial" panose="020B0604020202020204" pitchFamily="34" charset="0"/>
+              <a:buChar char="•"/>
+            </a:pPr>
+            <a:r>
+              <a:rPr lang="en-US" sz="2400" dirty="0"/>
+              <a:t>We can use the 17</a:t>
+            </a:r>
+            <a:r>
+              <a:rPr lang="en-US" sz="2400" baseline="30000" dirty="0"/>
+              <a:t>th</a:t>
+            </a:r>
+            <a:r>
+              <a:rPr lang="en-US" sz="2400" dirty="0"/>
+              <a:t> channel to have an idea of the movement.</a:t>
+            </a:r>
+            <a:r>
+              <a:rPr lang="en-IT" sz="2400" dirty="0"/>
+              <a:t> (Shown in black in the image)</a:t>
+            </a:r>
+            <a:endParaRPr lang="en-US" sz="2400" dirty="0"/>
           </a:p>
         </p:txBody>
       </p:sp>
     </p:spTree>
     <p:extLst>
       <p:ext uri="{BB962C8B-B14F-4D97-AF65-F5344CB8AC3E}">
-        <p14:creationId xmlns:p14="http://schemas.microsoft.com/office/powerpoint/2010/main" val="1241652751"/>
+        <p14:creationId xmlns:p14="http://schemas.microsoft.com/office/powerpoint/2010/main" val="3100802917"/>
+      </p:ext>
+    </p:extLst>
+  </p:cSld>
+  <p:clrMapOvr>
+    <a:masterClrMapping/>
+  </p:clrMapOvr>
+</p:sld>
+</file>
+
+<file path=ppt/slides/slide15.xml><?xml version="1.0" encoding="utf-8"?>
+<p:sld xmlns:a="http://schemas.openxmlformats.org/drawingml/2006/main" xmlns:r="http://schemas.openxmlformats.org/officeDocument/2006/relationships" xmlns:p="http://schemas.openxmlformats.org/presentationml/2006/main">
+  <p:cSld>
+    <p:spTree>
+      <p:nvGrpSpPr>
+        <p:cNvPr id="1" name=""/>
+        <p:cNvGrpSpPr/>
+        <p:nvPr/>
+      </p:nvGrpSpPr>
+      <p:grpSpPr>
+        <a:xfrm>
+          <a:off x="0" y="0"/>
+          <a:ext cx="0" cy="0"/>
+          <a:chOff x="0" y="0"/>
+          <a:chExt cx="0" cy="0"/>
+        </a:xfrm>
+      </p:grpSpPr>
+      <p:sp>
+        <p:nvSpPr>
+          <p:cNvPr id="2" name="Slide Number Placeholder 1"/>
+          <p:cNvSpPr>
+            <a:spLocks noGrp="1"/>
+          </p:cNvSpPr>
+          <p:nvPr>
+            <p:ph type="sldNum" sz="quarter" idx="12"/>
+          </p:nvPr>
+        </p:nvSpPr>
+        <p:spPr/>
+        <p:txBody>
+          <a:bodyPr/>
+          <a:lstStyle/>
+          <a:p>
+            <a:fld id="{DCE09022-C08B-4F34-B9F0-43AC160DA04C}" type="slidenum">
+              <a:rPr lang="it-IT" smtClean="0"/>
+              <a:pPr/>
+              <a:t>15</a:t>
+            </a:fld>
+            <a:r>
+              <a:rPr lang="it-IT" dirty="0"/>
+              <a:t>/XX</a:t>
+            </a:r>
+          </a:p>
+        </p:txBody>
+      </p:sp>
+      <p:sp>
+        <p:nvSpPr>
+          <p:cNvPr id="3" name="Title 2"/>
+          <p:cNvSpPr>
+            <a:spLocks noGrp="1"/>
+          </p:cNvSpPr>
+          <p:nvPr>
+            <p:ph type="title"/>
+          </p:nvPr>
+        </p:nvSpPr>
+        <p:spPr/>
+        <p:txBody>
+          <a:bodyPr/>
+          <a:lstStyle/>
+          <a:p>
+            <a:r>
+              <a:rPr lang="it-IT" dirty="0"/>
+              <a:t>Time on / Time off</a:t>
+            </a:r>
+          </a:p>
+        </p:txBody>
+      </p:sp>
+      <p:pic>
+        <p:nvPicPr>
+          <p:cNvPr id="6" name="Picture 5">
+            <a:extLst>
+              <a:ext uri="{FF2B5EF4-FFF2-40B4-BE49-F238E27FC236}">
+                <a16:creationId xmlns:a16="http://schemas.microsoft.com/office/drawing/2014/main" id="{491E1416-27B2-8641-FCF5-F338F4404EE5}"/>
+              </a:ext>
+            </a:extLst>
+          </p:cNvPr>
+          <p:cNvPicPr>
+            <a:picLocks noChangeAspect="1"/>
+          </p:cNvPicPr>
+          <p:nvPr/>
+        </p:nvPicPr>
+        <p:blipFill>
+          <a:blip r:embed="rId2"/>
+          <a:stretch>
+            <a:fillRect/>
+          </a:stretch>
+        </p:blipFill>
+        <p:spPr>
+          <a:xfrm>
+            <a:off x="7076626" y="1061551"/>
+            <a:ext cx="5077457" cy="3261971"/>
+          </a:xfrm>
+          <a:prstGeom prst="rect">
+            <a:avLst/>
+          </a:prstGeom>
+        </p:spPr>
+      </p:pic>
+    </p:spTree>
+    <p:extLst>
+      <p:ext uri="{BB962C8B-B14F-4D97-AF65-F5344CB8AC3E}">
+        <p14:creationId xmlns:p14="http://schemas.microsoft.com/office/powerpoint/2010/main" val="1237886416"/>
+      </p:ext>
+    </p:extLst>
+  </p:cSld>
+  <p:clrMapOvr>
+    <a:masterClrMapping/>
+  </p:clrMapOvr>
+</p:sld>
+</file>
+
+<file path=ppt/slides/slide16.xml><?xml version="1.0" encoding="utf-8"?>
+<p:sld xmlns:a="http://schemas.openxmlformats.org/drawingml/2006/main" xmlns:r="http://schemas.openxmlformats.org/officeDocument/2006/relationships" xmlns:p="http://schemas.openxmlformats.org/presentationml/2006/main">
+  <p:cSld>
+    <p:spTree>
+      <p:nvGrpSpPr>
+        <p:cNvPr id="1" name=""/>
+        <p:cNvGrpSpPr/>
+        <p:nvPr/>
+      </p:nvGrpSpPr>
+      <p:grpSpPr>
+        <a:xfrm>
+          <a:off x="0" y="0"/>
+          <a:ext cx="0" cy="0"/>
+          <a:chOff x="0" y="0"/>
+          <a:chExt cx="0" cy="0"/>
+        </a:xfrm>
+      </p:grpSpPr>
+      <p:sp>
+        <p:nvSpPr>
+          <p:cNvPr id="2" name="Slide Number Placeholder 1"/>
+          <p:cNvSpPr>
+            <a:spLocks noGrp="1"/>
+          </p:cNvSpPr>
+          <p:nvPr>
+            <p:ph type="sldNum" sz="quarter" idx="12"/>
+          </p:nvPr>
+        </p:nvSpPr>
+        <p:spPr/>
+        <p:txBody>
+          <a:bodyPr/>
+          <a:lstStyle/>
+          <a:p>
+            <a:fld id="{DCE09022-C08B-4F34-B9F0-43AC160DA04C}" type="slidenum">
+              <a:rPr lang="it-IT" smtClean="0"/>
+              <a:pPr/>
+              <a:t>16</a:t>
+            </a:fld>
+            <a:r>
+              <a:rPr lang="it-IT" dirty="0"/>
+              <a:t>/XX</a:t>
+            </a:r>
+          </a:p>
+        </p:txBody>
+      </p:sp>
+      <p:sp>
+        <p:nvSpPr>
+          <p:cNvPr id="3" name="Title 2"/>
+          <p:cNvSpPr>
+            <a:spLocks noGrp="1"/>
+          </p:cNvSpPr>
+          <p:nvPr>
+            <p:ph type="title"/>
+          </p:nvPr>
+        </p:nvSpPr>
+        <p:spPr/>
+        <p:txBody>
+          <a:bodyPr/>
+          <a:lstStyle/>
+          <a:p>
+            <a:r>
+              <a:rPr lang="it-IT" dirty="0"/>
+              <a:t>EEG Model</a:t>
+            </a:r>
+          </a:p>
+        </p:txBody>
+      </p:sp>
+    </p:spTree>
+    <p:extLst>
+      <p:ext uri="{BB962C8B-B14F-4D97-AF65-F5344CB8AC3E}">
+        <p14:creationId xmlns:p14="http://schemas.microsoft.com/office/powerpoint/2010/main" val="4217787338"/>
+      </p:ext>
+    </p:extLst>
+  </p:cSld>
+  <p:clrMapOvr>
+    <a:masterClrMapping/>
+  </p:clrMapOvr>
+</p:sld>
+</file>
+
+<file path=ppt/slides/slide17.xml><?xml version="1.0" encoding="utf-8"?>
+<p:sld xmlns:a="http://schemas.openxmlformats.org/drawingml/2006/main" xmlns:r="http://schemas.openxmlformats.org/officeDocument/2006/relationships" xmlns:p="http://schemas.openxmlformats.org/presentationml/2006/main">
+  <p:cSld>
+    <p:spTree>
+      <p:nvGrpSpPr>
+        <p:cNvPr id="1" name=""/>
+        <p:cNvGrpSpPr/>
+        <p:nvPr/>
+      </p:nvGrpSpPr>
+      <p:grpSpPr>
+        <a:xfrm>
+          <a:off x="0" y="0"/>
+          <a:ext cx="0" cy="0"/>
+          <a:chOff x="0" y="0"/>
+          <a:chExt cx="0" cy="0"/>
+        </a:xfrm>
+      </p:grpSpPr>
+      <p:sp>
+        <p:nvSpPr>
+          <p:cNvPr id="2" name="Slide Number Placeholder 1"/>
+          <p:cNvSpPr>
+            <a:spLocks noGrp="1"/>
+          </p:cNvSpPr>
+          <p:nvPr>
+            <p:ph type="sldNum" sz="quarter" idx="12"/>
+          </p:nvPr>
+        </p:nvSpPr>
+        <p:spPr/>
+        <p:txBody>
+          <a:bodyPr/>
+          <a:lstStyle/>
+          <a:p>
+            <a:fld id="{DCE09022-C08B-4F34-B9F0-43AC160DA04C}" type="slidenum">
+              <a:rPr lang="it-IT" smtClean="0"/>
+              <a:pPr/>
+              <a:t>17</a:t>
+            </a:fld>
+            <a:r>
+              <a:rPr lang="it-IT" dirty="0"/>
+              <a:t>/XX</a:t>
+            </a:r>
+          </a:p>
+        </p:txBody>
+      </p:sp>
+      <p:sp>
+        <p:nvSpPr>
+          <p:cNvPr id="3" name="Title 2"/>
+          <p:cNvSpPr>
+            <a:spLocks noGrp="1"/>
+          </p:cNvSpPr>
+          <p:nvPr>
+            <p:ph type="title"/>
+          </p:nvPr>
+        </p:nvSpPr>
+        <p:spPr/>
+        <p:txBody>
+          <a:bodyPr/>
+          <a:lstStyle/>
+          <a:p>
+            <a:r>
+              <a:rPr lang="it-IT" dirty="0"/>
+              <a:t>5-Fold </a:t>
+            </a:r>
+            <a:r>
+              <a:rPr lang="it-IT" dirty="0" err="1"/>
+              <a:t>Validation</a:t>
+            </a:r>
+            <a:endParaRPr lang="it-IT" dirty="0"/>
+          </a:p>
+        </p:txBody>
+      </p:sp>
+    </p:spTree>
+    <p:extLst>
+      <p:ext uri="{BB962C8B-B14F-4D97-AF65-F5344CB8AC3E}">
+        <p14:creationId xmlns:p14="http://schemas.microsoft.com/office/powerpoint/2010/main" val="499710371"/>
       </p:ext>
     </p:extLst>
   </p:cSld>
@@ -2024,6 +2717,1743 @@
               <a:rPr lang="it-IT" smtClean="0"/>
               <a:pPr/>
               <a:t>2</a:t>
+            </a:fld>
+            <a:r>
+              <a:rPr lang="it-IT" dirty="0"/>
+              <a:t>/XX</a:t>
+            </a:r>
+          </a:p>
+        </p:txBody>
+      </p:sp>
+      <p:sp>
+        <p:nvSpPr>
+          <p:cNvPr id="3" name="Title 2"/>
+          <p:cNvSpPr>
+            <a:spLocks noGrp="1"/>
+          </p:cNvSpPr>
+          <p:nvPr>
+            <p:ph type="title"/>
+          </p:nvPr>
+        </p:nvSpPr>
+        <p:spPr/>
+        <p:txBody>
+          <a:bodyPr/>
+          <a:lstStyle/>
+          <a:p>
+            <a:r>
+              <a:rPr lang="it-IT" dirty="0"/>
+              <a:t>Dataset</a:t>
+            </a:r>
+          </a:p>
+        </p:txBody>
+      </p:sp>
+      <p:sp>
+        <p:nvSpPr>
+          <p:cNvPr id="4" name="Rectangle 1">
+            <a:extLst>
+              <a:ext uri="{FF2B5EF4-FFF2-40B4-BE49-F238E27FC236}">
+                <a16:creationId xmlns:a16="http://schemas.microsoft.com/office/drawing/2014/main" id="{975C8EC3-B62C-4A50-086C-05600444EFA2}"/>
+              </a:ext>
+            </a:extLst>
+          </p:cNvPr>
+          <p:cNvSpPr>
+            <a:spLocks noChangeArrowheads="1"/>
+          </p:cNvSpPr>
+          <p:nvPr/>
+        </p:nvSpPr>
+        <p:spPr bwMode="auto">
+          <a:xfrm>
+            <a:off x="-29471176" y="-51628174"/>
+            <a:ext cx="5482203" cy="114369771"/>
+          </a:xfrm>
+          <a:prstGeom prst="rect">
+            <a:avLst/>
+          </a:prstGeom>
+          <a:noFill/>
+          <a:ln>
+            <a:noFill/>
+          </a:ln>
+          <a:effectLst/>
+          <a:extLst>
+            <a:ext uri="{909E8E84-426E-40DD-AFC4-6F175D3DCCD1}">
+              <a14:hiddenFill xmlns:a14="http://schemas.microsoft.com/office/drawing/2010/main">
+                <a:solidFill>
+                  <a:schemeClr val="accent1"/>
+                </a:solidFill>
+              </a14:hiddenFill>
+            </a:ext>
+            <a:ext uri="{91240B29-F687-4F45-9708-019B960494DF}">
+              <a14:hiddenLine xmlns:a14="http://schemas.microsoft.com/office/drawing/2010/main" w="9525">
+                <a:solidFill>
+                  <a:schemeClr val="tx1"/>
+                </a:solidFill>
+                <a:miter lim="800000"/>
+                <a:headEnd/>
+                <a:tailEnd/>
+              </a14:hiddenLine>
+            </a:ext>
+            <a:ext uri="{AF507438-7753-43E0-B8FC-AC1667EBCBE1}">
+              <a14:hiddenEffects xmlns:a14="http://schemas.microsoft.com/office/drawing/2010/main">
+                <a:effectLst>
+                  <a:outerShdw dist="35921" dir="2700000" algn="ctr" rotWithShape="0">
+                    <a:schemeClr val="bg2"/>
+                  </a:outerShdw>
+                </a:effectLst>
+              </a14:hiddenEffects>
+            </a:ext>
+          </a:extLst>
+        </p:spPr>
+        <p:txBody>
+          <a:bodyPr vert="horz" wrap="square" lIns="91440" tIns="45720" rIns="91440" bIns="45720" numCol="1" anchor="ctr" anchorCtr="0" compatLnSpc="1">
+            <a:prstTxWarp prst="textNoShape">
+              <a:avLst/>
+            </a:prstTxWarp>
+            <a:spAutoFit/>
+          </a:bodyPr>
+          <a:lstStyle/>
+          <a:p>
+            <a:pPr marL="0" marR="0" lvl="0" indent="0" algn="l" defTabSz="914400" rtl="0" eaLnBrk="0" fontAlgn="base" latinLnBrk="0" hangingPunct="0">
+              <a:lnSpc>
+                <a:spcPct val="100000"/>
+              </a:lnSpc>
+              <a:spcBef>
+                <a:spcPct val="0"/>
+              </a:spcBef>
+              <a:spcAft>
+                <a:spcPct val="0"/>
+              </a:spcAft>
+              <a:buClrTx/>
+              <a:buSzTx/>
+              <a:buFontTx/>
+              <a:buNone/>
+              <a:tabLst/>
+            </a:pPr>
+            <a:r>
+              <a:rPr kumimoji="0" lang="en-IT" altLang="en-IT" sz="1800" b="0" i="0" u="none" strike="noStrike" cap="none" normalizeH="0" baseline="0">
+                <a:ln>
+                  <a:noFill/>
+                </a:ln>
+                <a:solidFill>
+                  <a:schemeClr val="tx1"/>
+                </a:solidFill>
+                <a:effectLst/>
+                <a:latin typeface="Arial" panose="020B0604020202020204" pitchFamily="34" charset="0"/>
+              </a:rPr>
+              <a:t>  </a:t>
+            </a:r>
+            <a:r>
+              <a:rPr kumimoji="0" lang="en-IT" altLang="en-IT" sz="57600" b="0" i="0" u="none" strike="noStrike" cap="none" normalizeH="0" baseline="0">
+                <a:ln>
+                  <a:noFill/>
+                </a:ln>
+                <a:solidFill>
+                  <a:schemeClr val="tx1"/>
+                </a:solidFill>
+                <a:effectLst/>
+                <a:latin typeface="Arial" panose="020B0604020202020204" pitchFamily="34" charset="0"/>
+              </a:rPr>
+              <a:t>        </a:t>
+            </a:r>
+            <a:r>
+              <a:rPr kumimoji="0" lang="en-IT" altLang="en-IT" sz="1800" b="0" i="0" u="none" strike="noStrike" cap="none" normalizeH="0" baseline="0">
+                <a:ln>
+                  <a:noFill/>
+                </a:ln>
+                <a:solidFill>
+                  <a:schemeClr val="tx1"/>
+                </a:solidFill>
+                <a:effectLst/>
+                <a:latin typeface="Arial" panose="020B0604020202020204" pitchFamily="34" charset="0"/>
+              </a:rPr>
+              <a:t>  </a:t>
+            </a:r>
+            <a:r>
+              <a:rPr kumimoji="0" lang="en-IT" altLang="en-IT" sz="57600" b="0" i="0" u="none" strike="noStrike" cap="none" normalizeH="0" baseline="0">
+                <a:ln>
+                  <a:noFill/>
+                </a:ln>
+                <a:solidFill>
+                  <a:schemeClr val="tx1"/>
+                </a:solidFill>
+                <a:effectLst/>
+                <a:latin typeface="Arial" panose="020B0604020202020204" pitchFamily="34" charset="0"/>
+              </a:rPr>
+              <a:t>        </a:t>
+            </a:r>
+            <a:r>
+              <a:rPr kumimoji="0" lang="en-IT" altLang="en-IT" sz="1800" b="0" i="0" u="none" strike="noStrike" cap="none" normalizeH="0" baseline="0">
+                <a:ln>
+                  <a:noFill/>
+                </a:ln>
+                <a:solidFill>
+                  <a:schemeClr val="tx1"/>
+                </a:solidFill>
+                <a:effectLst/>
+                <a:latin typeface="Arial" panose="020B0604020202020204" pitchFamily="34" charset="0"/>
+              </a:rPr>
+              <a:t>  </a:t>
+            </a:r>
+            <a:r>
+              <a:rPr kumimoji="0" lang="en-IT" altLang="en-IT" sz="57600" b="0" i="0" u="none" strike="noStrike" cap="none" normalizeH="0" baseline="0">
+                <a:ln>
+                  <a:noFill/>
+                </a:ln>
+                <a:solidFill>
+                  <a:schemeClr val="tx1"/>
+                </a:solidFill>
+                <a:effectLst/>
+                <a:latin typeface="Arial" panose="020B0604020202020204" pitchFamily="34" charset="0"/>
+              </a:rPr>
+              <a:t>        </a:t>
+            </a:r>
+            <a:br>
+              <a:rPr kumimoji="0" lang="en-IT" altLang="en-IT" sz="1800" b="0" i="0" u="none" strike="noStrike" cap="none" normalizeH="0" baseline="0">
+                <a:ln>
+                  <a:noFill/>
+                </a:ln>
+                <a:solidFill>
+                  <a:schemeClr val="tx1"/>
+                </a:solidFill>
+                <a:effectLst/>
+                <a:latin typeface="Arial" panose="020B0604020202020204" pitchFamily="34" charset="0"/>
+              </a:rPr>
+            </a:br>
+            <a:endParaRPr kumimoji="0" lang="en-IT" altLang="en-IT" sz="1800" b="0" i="0" u="none" strike="noStrike" cap="none" normalizeH="0" baseline="0">
+              <a:ln>
+                <a:noFill/>
+              </a:ln>
+              <a:solidFill>
+                <a:schemeClr val="tx1"/>
+              </a:solidFill>
+              <a:effectLst/>
+              <a:latin typeface="Arial" panose="020B0604020202020204" pitchFamily="34" charset="0"/>
+            </a:endParaRPr>
+          </a:p>
+          <a:p>
+            <a:pPr marL="0" marR="0" lvl="0" indent="0" algn="l" defTabSz="914400" rtl="0" eaLnBrk="0" fontAlgn="base" latinLnBrk="0" hangingPunct="0">
+              <a:lnSpc>
+                <a:spcPct val="100000"/>
+              </a:lnSpc>
+              <a:spcBef>
+                <a:spcPct val="0"/>
+              </a:spcBef>
+              <a:spcAft>
+                <a:spcPct val="0"/>
+              </a:spcAft>
+              <a:buClrTx/>
+              <a:buSzTx/>
+              <a:buFontTx/>
+              <a:buNone/>
+              <a:tabLst/>
+            </a:pPr>
+            <a:r>
+              <a:rPr kumimoji="0" lang="en-IT" altLang="en-IT" sz="1300" b="1" i="0" u="none" strike="noStrike" cap="none" normalizeH="0" baseline="0">
+                <a:ln>
+                  <a:noFill/>
+                </a:ln>
+                <a:solidFill>
+                  <a:srgbClr val="1F497D"/>
+                </a:solidFill>
+                <a:effectLst/>
+                <a:latin typeface="Arial" panose="020B0604020202020204" pitchFamily="34" charset="0"/>
+              </a:rPr>
+              <a:t>Nociception</a:t>
+            </a:r>
+            <a:endParaRPr kumimoji="0" lang="en-IT" altLang="en-IT" sz="1200" b="0" i="0" u="none" strike="noStrike" cap="none" normalizeH="0" baseline="0">
+              <a:ln>
+                <a:noFill/>
+              </a:ln>
+              <a:solidFill>
+                <a:schemeClr val="tx1"/>
+              </a:solidFill>
+              <a:effectLst/>
+            </a:endParaRPr>
+          </a:p>
+          <a:p>
+            <a:pPr marL="0" marR="0" lvl="0" indent="0" algn="l" defTabSz="914400" rtl="0" eaLnBrk="0" fontAlgn="base" latinLnBrk="0" hangingPunct="0">
+              <a:lnSpc>
+                <a:spcPct val="100000"/>
+              </a:lnSpc>
+              <a:spcBef>
+                <a:spcPct val="0"/>
+              </a:spcBef>
+              <a:spcAft>
+                <a:spcPct val="0"/>
+              </a:spcAft>
+              <a:buClrTx/>
+              <a:buSzTx/>
+              <a:buFontTx/>
+              <a:buNone/>
+              <a:tabLst/>
+            </a:pPr>
+            <a:endParaRPr kumimoji="0" lang="en-IT" altLang="en-IT" sz="1200" b="0" i="0" u="none" strike="noStrike" cap="none" normalizeH="0" baseline="0">
+              <a:ln>
+                <a:noFill/>
+              </a:ln>
+              <a:solidFill>
+                <a:schemeClr val="tx1"/>
+              </a:solidFill>
+              <a:effectLst/>
+            </a:endParaRPr>
+          </a:p>
+          <a:p>
+            <a:pPr marL="0" marR="0" lvl="0" indent="0" algn="l" defTabSz="914400" rtl="0" eaLnBrk="0" fontAlgn="base" latinLnBrk="0" hangingPunct="0">
+              <a:lnSpc>
+                <a:spcPct val="100000"/>
+              </a:lnSpc>
+              <a:spcBef>
+                <a:spcPct val="0"/>
+              </a:spcBef>
+              <a:spcAft>
+                <a:spcPct val="0"/>
+              </a:spcAft>
+              <a:buClrTx/>
+              <a:buSzTx/>
+              <a:buFontTx/>
+              <a:buNone/>
+              <a:tabLst/>
+            </a:pPr>
+            <a:br>
+              <a:rPr kumimoji="0" lang="en-IT" altLang="en-IT" sz="1800" b="0" i="0" u="none" strike="noStrike" cap="none" normalizeH="0" baseline="0">
+                <a:ln>
+                  <a:noFill/>
+                </a:ln>
+                <a:solidFill>
+                  <a:schemeClr val="tx1"/>
+                </a:solidFill>
+                <a:effectLst/>
+                <a:latin typeface="Arial" panose="020B0604020202020204" pitchFamily="34" charset="0"/>
+              </a:rPr>
+            </a:br>
+            <a:endParaRPr kumimoji="0" lang="en-IT" altLang="en-IT" sz="1800" b="0" i="0" u="none" strike="noStrike" cap="none" normalizeH="0" baseline="0">
+              <a:ln>
+                <a:noFill/>
+              </a:ln>
+              <a:solidFill>
+                <a:schemeClr val="tx1"/>
+              </a:solidFill>
+              <a:effectLst/>
+              <a:latin typeface="Arial" panose="020B0604020202020204" pitchFamily="34" charset="0"/>
+            </a:endParaRPr>
+          </a:p>
+          <a:p>
+            <a:pPr marL="0" marR="0" lvl="0" indent="0" algn="l" defTabSz="914400" rtl="0" eaLnBrk="0" fontAlgn="base" latinLnBrk="0" hangingPunct="0">
+              <a:lnSpc>
+                <a:spcPct val="100000"/>
+              </a:lnSpc>
+              <a:spcBef>
+                <a:spcPct val="0"/>
+              </a:spcBef>
+              <a:spcAft>
+                <a:spcPct val="0"/>
+              </a:spcAft>
+              <a:buClrTx/>
+              <a:buSzTx/>
+              <a:buFontTx/>
+              <a:buNone/>
+              <a:tabLst/>
+            </a:pPr>
+            <a:r>
+              <a:rPr kumimoji="0" lang="en-IT" altLang="en-IT" sz="1300" b="1" i="0" u="none" strike="noStrike" cap="none" normalizeH="0" baseline="0">
+                <a:ln>
+                  <a:noFill/>
+                </a:ln>
+                <a:solidFill>
+                  <a:srgbClr val="1F497D"/>
+                </a:solidFill>
+                <a:effectLst/>
+                <a:latin typeface="Arial" panose="020B0604020202020204" pitchFamily="34" charset="0"/>
+                <a:cs typeface="Arial" panose="020B0604020202020204" pitchFamily="34" charset="0"/>
+              </a:rPr>
+              <a:t>Dorsiflexion</a:t>
+            </a:r>
+            <a:endParaRPr kumimoji="0" lang="en-IT" altLang="en-IT" sz="1200" b="0" i="0" u="none" strike="noStrike" cap="none" normalizeH="0" baseline="0">
+              <a:ln>
+                <a:noFill/>
+              </a:ln>
+              <a:solidFill>
+                <a:schemeClr val="tx1"/>
+              </a:solidFill>
+              <a:effectLst/>
+            </a:endParaRPr>
+          </a:p>
+          <a:p>
+            <a:pPr marL="0" marR="0" lvl="0" indent="0" algn="l" defTabSz="914400" rtl="0" eaLnBrk="0" fontAlgn="base" latinLnBrk="0" hangingPunct="0">
+              <a:lnSpc>
+                <a:spcPct val="100000"/>
+              </a:lnSpc>
+              <a:spcBef>
+                <a:spcPct val="0"/>
+              </a:spcBef>
+              <a:spcAft>
+                <a:spcPct val="0"/>
+              </a:spcAft>
+              <a:buClrTx/>
+              <a:buSzTx/>
+              <a:buFontTx/>
+              <a:buNone/>
+              <a:tabLst/>
+            </a:pPr>
+            <a:endParaRPr kumimoji="0" lang="en-IT" altLang="en-IT" sz="1200" b="0" i="0" u="none" strike="noStrike" cap="none" normalizeH="0" baseline="0">
+              <a:ln>
+                <a:noFill/>
+              </a:ln>
+              <a:solidFill>
+                <a:schemeClr val="tx1"/>
+              </a:solidFill>
+              <a:effectLst/>
+            </a:endParaRPr>
+          </a:p>
+          <a:p>
+            <a:pPr marL="0" marR="0" lvl="0" indent="0" algn="l" defTabSz="914400" rtl="0" eaLnBrk="0" fontAlgn="base" latinLnBrk="0" hangingPunct="0">
+              <a:lnSpc>
+                <a:spcPct val="100000"/>
+              </a:lnSpc>
+              <a:spcBef>
+                <a:spcPct val="0"/>
+              </a:spcBef>
+              <a:spcAft>
+                <a:spcPct val="0"/>
+              </a:spcAft>
+              <a:buClrTx/>
+              <a:buSzTx/>
+              <a:buFontTx/>
+              <a:buNone/>
+              <a:tabLst/>
+            </a:pPr>
+            <a:br>
+              <a:rPr kumimoji="0" lang="en-IT" altLang="en-IT" sz="1800" b="0" i="0" u="none" strike="noStrike" cap="none" normalizeH="0" baseline="0">
+                <a:ln>
+                  <a:noFill/>
+                </a:ln>
+                <a:solidFill>
+                  <a:schemeClr val="tx1"/>
+                </a:solidFill>
+                <a:effectLst/>
+                <a:latin typeface="Arial" panose="020B0604020202020204" pitchFamily="34" charset="0"/>
+              </a:rPr>
+            </a:br>
+            <a:endParaRPr kumimoji="0" lang="en-IT" altLang="en-IT" sz="1800" b="0" i="0" u="none" strike="noStrike" cap="none" normalizeH="0" baseline="0">
+              <a:ln>
+                <a:noFill/>
+              </a:ln>
+              <a:solidFill>
+                <a:schemeClr val="tx1"/>
+              </a:solidFill>
+              <a:effectLst/>
+              <a:latin typeface="Arial" panose="020B0604020202020204" pitchFamily="34" charset="0"/>
+            </a:endParaRPr>
+          </a:p>
+          <a:p>
+            <a:pPr marL="0" marR="0" lvl="0" indent="0" algn="l" defTabSz="914400" rtl="0" eaLnBrk="0" fontAlgn="base" latinLnBrk="0" hangingPunct="0">
+              <a:lnSpc>
+                <a:spcPct val="100000"/>
+              </a:lnSpc>
+              <a:spcBef>
+                <a:spcPct val="0"/>
+              </a:spcBef>
+              <a:spcAft>
+                <a:spcPct val="0"/>
+              </a:spcAft>
+              <a:buClrTx/>
+              <a:buSzTx/>
+              <a:buFontTx/>
+              <a:buNone/>
+              <a:tabLst/>
+            </a:pPr>
+            <a:r>
+              <a:rPr kumimoji="0" lang="en-IT" altLang="en-IT" sz="1300" b="1" i="0" u="none" strike="noStrike" cap="none" normalizeH="0" baseline="0">
+                <a:ln>
+                  <a:noFill/>
+                </a:ln>
+                <a:solidFill>
+                  <a:srgbClr val="1F497D"/>
+                </a:solidFill>
+                <a:effectLst/>
+                <a:latin typeface="Arial" panose="020B0604020202020204" pitchFamily="34" charset="0"/>
+                <a:cs typeface="Arial" panose="020B0604020202020204" pitchFamily="34" charset="0"/>
+              </a:rPr>
+              <a:t>Touch</a:t>
+            </a:r>
+            <a:endParaRPr kumimoji="0" lang="en-IT" altLang="en-IT" sz="1200" b="0" i="0" u="none" strike="noStrike" cap="none" normalizeH="0" baseline="0">
+              <a:ln>
+                <a:noFill/>
+              </a:ln>
+              <a:solidFill>
+                <a:schemeClr val="tx1"/>
+              </a:solidFill>
+              <a:effectLst/>
+            </a:endParaRPr>
+          </a:p>
+          <a:p>
+            <a:pPr marL="0" marR="0" lvl="0" indent="0" algn="l" defTabSz="914400" rtl="0" eaLnBrk="0" fontAlgn="base" latinLnBrk="0" hangingPunct="0">
+              <a:lnSpc>
+                <a:spcPct val="100000"/>
+              </a:lnSpc>
+              <a:spcBef>
+                <a:spcPct val="0"/>
+              </a:spcBef>
+              <a:spcAft>
+                <a:spcPct val="0"/>
+              </a:spcAft>
+              <a:buClrTx/>
+              <a:buSzTx/>
+              <a:buFontTx/>
+              <a:buNone/>
+              <a:tabLst/>
+            </a:pPr>
+            <a:endParaRPr kumimoji="0" lang="en-IT" altLang="en-IT" sz="1200" b="0" i="0" u="none" strike="noStrike" cap="none" normalizeH="0" baseline="0">
+              <a:ln>
+                <a:noFill/>
+              </a:ln>
+              <a:solidFill>
+                <a:schemeClr val="tx1"/>
+              </a:solidFill>
+              <a:effectLst/>
+            </a:endParaRPr>
+          </a:p>
+          <a:p>
+            <a:pPr marL="0" marR="0" lvl="0" indent="0" algn="l" defTabSz="914400" rtl="0" eaLnBrk="0" fontAlgn="base" latinLnBrk="0" hangingPunct="0">
+              <a:lnSpc>
+                <a:spcPct val="100000"/>
+              </a:lnSpc>
+              <a:spcBef>
+                <a:spcPct val="0"/>
+              </a:spcBef>
+              <a:spcAft>
+                <a:spcPct val="0"/>
+              </a:spcAft>
+              <a:buClrTx/>
+              <a:buSzTx/>
+              <a:buFontTx/>
+              <a:buNone/>
+              <a:tabLst/>
+            </a:pPr>
+            <a:br>
+              <a:rPr kumimoji="0" lang="en-IT" altLang="en-IT" sz="1800" b="0" i="0" u="none" strike="noStrike" cap="none" normalizeH="0" baseline="0">
+                <a:ln>
+                  <a:noFill/>
+                </a:ln>
+                <a:solidFill>
+                  <a:schemeClr val="tx1"/>
+                </a:solidFill>
+                <a:effectLst/>
+                <a:latin typeface="Arial" panose="020B0604020202020204" pitchFamily="34" charset="0"/>
+              </a:rPr>
+            </a:br>
+            <a:endParaRPr kumimoji="0" lang="en-IT" altLang="en-IT" sz="1800" b="0" i="0" u="none" strike="noStrike" cap="none" normalizeH="0" baseline="0">
+              <a:ln>
+                <a:noFill/>
+              </a:ln>
+              <a:solidFill>
+                <a:schemeClr val="tx1"/>
+              </a:solidFill>
+              <a:effectLst/>
+              <a:latin typeface="Arial" panose="020B0604020202020204" pitchFamily="34" charset="0"/>
+            </a:endParaRPr>
+          </a:p>
+          <a:p>
+            <a:pPr marL="0" marR="0" lvl="0" indent="0" algn="l" defTabSz="914400" rtl="0" eaLnBrk="0" fontAlgn="base" latinLnBrk="0" hangingPunct="0">
+              <a:lnSpc>
+                <a:spcPct val="100000"/>
+              </a:lnSpc>
+              <a:spcBef>
+                <a:spcPct val="0"/>
+              </a:spcBef>
+              <a:spcAft>
+                <a:spcPct val="0"/>
+              </a:spcAft>
+              <a:buClrTx/>
+              <a:buSzTx/>
+              <a:buFontTx/>
+              <a:buNone/>
+              <a:tabLst/>
+            </a:pPr>
+            <a:r>
+              <a:rPr kumimoji="0" lang="en-IT" altLang="en-IT" sz="1300" b="1" i="0" u="none" strike="noStrike" cap="none" normalizeH="0" baseline="0">
+                <a:ln>
+                  <a:noFill/>
+                </a:ln>
+                <a:solidFill>
+                  <a:srgbClr val="1F497D"/>
+                </a:solidFill>
+                <a:effectLst/>
+                <a:latin typeface="Arial" panose="020B0604020202020204" pitchFamily="34" charset="0"/>
+                <a:cs typeface="Arial" panose="020B0604020202020204" pitchFamily="34" charset="0"/>
+              </a:rPr>
+              <a:t>&amp; Plantarflexion</a:t>
+            </a:r>
+            <a:r>
+              <a:rPr kumimoji="0" lang="en-IT" altLang="en-IT" sz="1300" b="0" i="0" u="none" strike="noStrike" cap="none" normalizeH="0" baseline="0">
+                <a:ln>
+                  <a:noFill/>
+                </a:ln>
+                <a:solidFill>
+                  <a:srgbClr val="1F497D"/>
+                </a:solidFill>
+                <a:effectLst/>
+                <a:latin typeface="Arial" panose="020B0604020202020204" pitchFamily="34" charset="0"/>
+                <a:cs typeface="Arial" panose="020B0604020202020204" pitchFamily="34" charset="0"/>
+              </a:rPr>
+              <a:t> </a:t>
+            </a:r>
+            <a:endParaRPr kumimoji="0" lang="en-IT" altLang="en-IT" sz="1200" b="0" i="0" u="none" strike="noStrike" cap="none" normalizeH="0" baseline="0">
+              <a:ln>
+                <a:noFill/>
+              </a:ln>
+              <a:solidFill>
+                <a:schemeClr val="tx1"/>
+              </a:solidFill>
+              <a:effectLst/>
+            </a:endParaRPr>
+          </a:p>
+          <a:p>
+            <a:pPr marL="0" marR="0" lvl="0" indent="0" algn="l" defTabSz="914400" rtl="0" eaLnBrk="0" fontAlgn="base" latinLnBrk="0" hangingPunct="0">
+              <a:lnSpc>
+                <a:spcPct val="100000"/>
+              </a:lnSpc>
+              <a:spcBef>
+                <a:spcPct val="0"/>
+              </a:spcBef>
+              <a:spcAft>
+                <a:spcPct val="0"/>
+              </a:spcAft>
+              <a:buClrTx/>
+              <a:buSzTx/>
+              <a:buFontTx/>
+              <a:buNone/>
+              <a:tabLst/>
+            </a:pPr>
+            <a:endParaRPr kumimoji="0" lang="en-IT" altLang="en-IT" sz="1200" b="0" i="0" u="none" strike="noStrike" cap="none" normalizeH="0" baseline="0">
+              <a:ln>
+                <a:noFill/>
+              </a:ln>
+              <a:solidFill>
+                <a:schemeClr val="tx1"/>
+              </a:solidFill>
+              <a:effectLst/>
+            </a:endParaRPr>
+          </a:p>
+          <a:p>
+            <a:pPr marL="0" marR="0" lvl="0" indent="0" algn="l" defTabSz="914400" rtl="0" eaLnBrk="0" fontAlgn="base" latinLnBrk="0" hangingPunct="0">
+              <a:lnSpc>
+                <a:spcPct val="100000"/>
+              </a:lnSpc>
+              <a:spcBef>
+                <a:spcPct val="0"/>
+              </a:spcBef>
+              <a:spcAft>
+                <a:spcPct val="0"/>
+              </a:spcAft>
+              <a:buClrTx/>
+              <a:buSzTx/>
+              <a:buFontTx/>
+              <a:buNone/>
+              <a:tabLst/>
+            </a:pPr>
+            <a:br>
+              <a:rPr kumimoji="0" lang="en-IT" altLang="en-IT" sz="1800" b="0" i="0" u="none" strike="noStrike" cap="none" normalizeH="0" baseline="0">
+                <a:ln>
+                  <a:noFill/>
+                </a:ln>
+                <a:solidFill>
+                  <a:schemeClr val="tx1"/>
+                </a:solidFill>
+                <a:effectLst/>
+                <a:latin typeface="Arial" panose="020B0604020202020204" pitchFamily="34" charset="0"/>
+              </a:rPr>
+            </a:br>
+            <a:endParaRPr kumimoji="0" lang="en-IT" altLang="en-IT" sz="1800" b="0" i="0" u="none" strike="noStrike" cap="none" normalizeH="0" baseline="0">
+              <a:ln>
+                <a:noFill/>
+              </a:ln>
+              <a:solidFill>
+                <a:schemeClr val="tx1"/>
+              </a:solidFill>
+              <a:effectLst/>
+              <a:latin typeface="Arial" panose="020B0604020202020204" pitchFamily="34" charset="0"/>
+            </a:endParaRPr>
+          </a:p>
+          <a:p>
+            <a:pPr marL="0" marR="0" lvl="0" indent="0" algn="l" defTabSz="914400" rtl="0" eaLnBrk="0" fontAlgn="base" latinLnBrk="0" hangingPunct="0">
+              <a:lnSpc>
+                <a:spcPct val="100000"/>
+              </a:lnSpc>
+              <a:spcBef>
+                <a:spcPct val="0"/>
+              </a:spcBef>
+              <a:spcAft>
+                <a:spcPct val="0"/>
+              </a:spcAft>
+              <a:buClrTx/>
+              <a:buSzTx/>
+              <a:buFontTx/>
+              <a:buNone/>
+              <a:tabLst/>
+            </a:pPr>
+            <a:r>
+              <a:rPr kumimoji="0" lang="en-IT" altLang="en-IT" sz="1800" b="0" i="0" u="none" strike="noStrike" cap="none" normalizeH="0" baseline="0">
+                <a:ln>
+                  <a:noFill/>
+                </a:ln>
+                <a:solidFill>
+                  <a:srgbClr val="FFFFFF"/>
+                </a:solidFill>
+                <a:effectLst/>
+                <a:latin typeface="Calibri" panose="020F0502020204030204" pitchFamily="34" charset="0"/>
+              </a:rPr>
+              <a:t>1</a:t>
+            </a:r>
+            <a:endParaRPr kumimoji="0" lang="en-IT" altLang="en-IT" sz="1200" b="0" i="0" u="none" strike="noStrike" cap="none" normalizeH="0" baseline="0">
+              <a:ln>
+                <a:noFill/>
+              </a:ln>
+              <a:solidFill>
+                <a:schemeClr val="tx1"/>
+              </a:solidFill>
+              <a:effectLst/>
+            </a:endParaRPr>
+          </a:p>
+          <a:p>
+            <a:pPr marL="0" marR="0" lvl="0" indent="0" algn="l" defTabSz="914400" rtl="0" eaLnBrk="0" fontAlgn="base" latinLnBrk="0" hangingPunct="0">
+              <a:lnSpc>
+                <a:spcPct val="100000"/>
+              </a:lnSpc>
+              <a:spcBef>
+                <a:spcPct val="0"/>
+              </a:spcBef>
+              <a:spcAft>
+                <a:spcPct val="0"/>
+              </a:spcAft>
+              <a:buClrTx/>
+              <a:buSzTx/>
+              <a:buFontTx/>
+              <a:buNone/>
+              <a:tabLst/>
+            </a:pPr>
+            <a:endParaRPr kumimoji="0" lang="en-IT" altLang="en-IT" sz="1200" b="0" i="0" u="none" strike="noStrike" cap="none" normalizeH="0" baseline="0">
+              <a:ln>
+                <a:noFill/>
+              </a:ln>
+              <a:solidFill>
+                <a:schemeClr val="tx1"/>
+              </a:solidFill>
+              <a:effectLst/>
+            </a:endParaRPr>
+          </a:p>
+          <a:p>
+            <a:pPr marL="0" marR="0" lvl="0" indent="0" algn="l" defTabSz="914400" rtl="0" eaLnBrk="0" fontAlgn="base" latinLnBrk="0" hangingPunct="0">
+              <a:lnSpc>
+                <a:spcPct val="100000"/>
+              </a:lnSpc>
+              <a:spcBef>
+                <a:spcPct val="0"/>
+              </a:spcBef>
+              <a:spcAft>
+                <a:spcPct val="0"/>
+              </a:spcAft>
+              <a:buClrTx/>
+              <a:buSzTx/>
+              <a:buFontTx/>
+              <a:buNone/>
+              <a:tabLst/>
+            </a:pPr>
+            <a:br>
+              <a:rPr kumimoji="0" lang="en-IT" altLang="en-IT" sz="1800" b="0" i="0" u="none" strike="noStrike" cap="none" normalizeH="0" baseline="0">
+                <a:ln>
+                  <a:noFill/>
+                </a:ln>
+                <a:solidFill>
+                  <a:schemeClr val="tx1"/>
+                </a:solidFill>
+                <a:effectLst/>
+                <a:latin typeface="Arial" panose="020B0604020202020204" pitchFamily="34" charset="0"/>
+              </a:rPr>
+            </a:br>
+            <a:endParaRPr kumimoji="0" lang="en-IT" altLang="en-IT" sz="1800" b="0" i="0" u="none" strike="noStrike" cap="none" normalizeH="0" baseline="0">
+              <a:ln>
+                <a:noFill/>
+              </a:ln>
+              <a:solidFill>
+                <a:schemeClr val="tx1"/>
+              </a:solidFill>
+              <a:effectLst/>
+              <a:latin typeface="Arial" panose="020B0604020202020204" pitchFamily="34" charset="0"/>
+            </a:endParaRPr>
+          </a:p>
+          <a:p>
+            <a:pPr marL="0" marR="0" lvl="0" indent="0" algn="l" defTabSz="914400" rtl="0" eaLnBrk="0" fontAlgn="base" latinLnBrk="0" hangingPunct="0">
+              <a:lnSpc>
+                <a:spcPct val="100000"/>
+              </a:lnSpc>
+              <a:spcBef>
+                <a:spcPct val="0"/>
+              </a:spcBef>
+              <a:spcAft>
+                <a:spcPct val="0"/>
+              </a:spcAft>
+              <a:buClrTx/>
+              <a:buSzTx/>
+              <a:buFontTx/>
+              <a:buNone/>
+              <a:tabLst/>
+            </a:pPr>
+            <a:r>
+              <a:rPr kumimoji="0" lang="en-IT" altLang="en-IT" sz="1800" b="0" i="0" u="none" strike="noStrike" cap="none" normalizeH="0" baseline="0">
+                <a:ln>
+                  <a:noFill/>
+                </a:ln>
+                <a:solidFill>
+                  <a:srgbClr val="FFFFFF"/>
+                </a:solidFill>
+                <a:effectLst/>
+                <a:latin typeface="Calibri" panose="020F0502020204030204" pitchFamily="34" charset="0"/>
+              </a:rPr>
+              <a:t>2</a:t>
+            </a:r>
+            <a:endParaRPr kumimoji="0" lang="en-IT" altLang="en-IT" sz="1200" b="0" i="0" u="none" strike="noStrike" cap="none" normalizeH="0" baseline="0">
+              <a:ln>
+                <a:noFill/>
+              </a:ln>
+              <a:solidFill>
+                <a:schemeClr val="tx1"/>
+              </a:solidFill>
+              <a:effectLst/>
+            </a:endParaRPr>
+          </a:p>
+          <a:p>
+            <a:pPr marL="0" marR="0" lvl="0" indent="0" algn="l" defTabSz="914400" rtl="0" eaLnBrk="0" fontAlgn="base" latinLnBrk="0" hangingPunct="0">
+              <a:lnSpc>
+                <a:spcPct val="100000"/>
+              </a:lnSpc>
+              <a:spcBef>
+                <a:spcPct val="0"/>
+              </a:spcBef>
+              <a:spcAft>
+                <a:spcPct val="0"/>
+              </a:spcAft>
+              <a:buClrTx/>
+              <a:buSzTx/>
+              <a:buFontTx/>
+              <a:buNone/>
+              <a:tabLst/>
+            </a:pPr>
+            <a:endParaRPr kumimoji="0" lang="en-IT" altLang="en-IT" sz="1200" b="0" i="0" u="none" strike="noStrike" cap="none" normalizeH="0" baseline="0">
+              <a:ln>
+                <a:noFill/>
+              </a:ln>
+              <a:solidFill>
+                <a:schemeClr val="tx1"/>
+              </a:solidFill>
+              <a:effectLst/>
+            </a:endParaRPr>
+          </a:p>
+          <a:p>
+            <a:pPr marL="0" marR="0" lvl="0" indent="0" algn="l" defTabSz="914400" rtl="0" eaLnBrk="0" fontAlgn="base" latinLnBrk="0" hangingPunct="0">
+              <a:lnSpc>
+                <a:spcPct val="100000"/>
+              </a:lnSpc>
+              <a:spcBef>
+                <a:spcPct val="0"/>
+              </a:spcBef>
+              <a:spcAft>
+                <a:spcPct val="0"/>
+              </a:spcAft>
+              <a:buClrTx/>
+              <a:buSzTx/>
+              <a:buFontTx/>
+              <a:buNone/>
+              <a:tabLst/>
+            </a:pPr>
+            <a:br>
+              <a:rPr kumimoji="0" lang="en-IT" altLang="en-IT" sz="1800" b="0" i="0" u="none" strike="noStrike" cap="none" normalizeH="0" baseline="0">
+                <a:ln>
+                  <a:noFill/>
+                </a:ln>
+                <a:solidFill>
+                  <a:schemeClr val="tx1"/>
+                </a:solidFill>
+                <a:effectLst/>
+                <a:latin typeface="Arial" panose="020B0604020202020204" pitchFamily="34" charset="0"/>
+              </a:rPr>
+            </a:br>
+            <a:endParaRPr kumimoji="0" lang="en-IT" altLang="en-IT" sz="1800" b="0" i="0" u="none" strike="noStrike" cap="none" normalizeH="0" baseline="0">
+              <a:ln>
+                <a:noFill/>
+              </a:ln>
+              <a:solidFill>
+                <a:schemeClr val="tx1"/>
+              </a:solidFill>
+              <a:effectLst/>
+              <a:latin typeface="Arial" panose="020B0604020202020204" pitchFamily="34" charset="0"/>
+            </a:endParaRPr>
+          </a:p>
+          <a:p>
+            <a:pPr marL="0" marR="0" lvl="0" indent="0" algn="l" defTabSz="914400" rtl="0" eaLnBrk="0" fontAlgn="base" latinLnBrk="0" hangingPunct="0">
+              <a:lnSpc>
+                <a:spcPct val="100000"/>
+              </a:lnSpc>
+              <a:spcBef>
+                <a:spcPct val="0"/>
+              </a:spcBef>
+              <a:spcAft>
+                <a:spcPct val="0"/>
+              </a:spcAft>
+              <a:buClrTx/>
+              <a:buSzTx/>
+              <a:buFontTx/>
+              <a:buNone/>
+              <a:tabLst/>
+            </a:pPr>
+            <a:r>
+              <a:rPr kumimoji="0" lang="en-IT" altLang="en-IT" sz="1800" b="0" i="0" u="none" strike="noStrike" cap="none" normalizeH="0" baseline="0">
+                <a:ln>
+                  <a:noFill/>
+                </a:ln>
+                <a:solidFill>
+                  <a:srgbClr val="FFFFFF"/>
+                </a:solidFill>
+                <a:effectLst/>
+                <a:latin typeface="Calibri" panose="020F0502020204030204" pitchFamily="34" charset="0"/>
+              </a:rPr>
+              <a:t>3</a:t>
+            </a:r>
+            <a:endParaRPr kumimoji="0" lang="en-IT" altLang="en-IT" sz="1200" b="0" i="0" u="none" strike="noStrike" cap="none" normalizeH="0" baseline="0">
+              <a:ln>
+                <a:noFill/>
+              </a:ln>
+              <a:solidFill>
+                <a:schemeClr val="tx1"/>
+              </a:solidFill>
+              <a:effectLst/>
+            </a:endParaRPr>
+          </a:p>
+          <a:p>
+            <a:pPr marL="0" marR="0" lvl="0" indent="0" algn="l" defTabSz="914400" rtl="0" eaLnBrk="0" fontAlgn="base" latinLnBrk="0" hangingPunct="0">
+              <a:lnSpc>
+                <a:spcPct val="100000"/>
+              </a:lnSpc>
+              <a:spcBef>
+                <a:spcPct val="0"/>
+              </a:spcBef>
+              <a:spcAft>
+                <a:spcPct val="0"/>
+              </a:spcAft>
+              <a:buClrTx/>
+              <a:buSzTx/>
+              <a:buFontTx/>
+              <a:buNone/>
+              <a:tabLst/>
+            </a:pPr>
+            <a:endParaRPr kumimoji="0" lang="en-IT" altLang="en-IT" sz="1200" b="0" i="0" u="none" strike="noStrike" cap="none" normalizeH="0" baseline="0">
+              <a:ln>
+                <a:noFill/>
+              </a:ln>
+              <a:solidFill>
+                <a:schemeClr val="tx1"/>
+              </a:solidFill>
+              <a:effectLst/>
+            </a:endParaRPr>
+          </a:p>
+          <a:p>
+            <a:pPr marL="0" marR="0" lvl="0" indent="0" algn="l" defTabSz="914400" rtl="0" eaLnBrk="0" fontAlgn="base" latinLnBrk="0" hangingPunct="0">
+              <a:lnSpc>
+                <a:spcPct val="100000"/>
+              </a:lnSpc>
+              <a:spcBef>
+                <a:spcPct val="0"/>
+              </a:spcBef>
+              <a:spcAft>
+                <a:spcPct val="0"/>
+              </a:spcAft>
+              <a:buClrTx/>
+              <a:buSzTx/>
+              <a:buFontTx/>
+              <a:buNone/>
+              <a:tabLst/>
+            </a:pPr>
+            <a:br>
+              <a:rPr kumimoji="0" lang="en-IT" altLang="en-IT" sz="1800" b="0" i="0" u="none" strike="noStrike" cap="none" normalizeH="0" baseline="0">
+                <a:ln>
+                  <a:noFill/>
+                </a:ln>
+                <a:solidFill>
+                  <a:schemeClr val="tx1"/>
+                </a:solidFill>
+                <a:effectLst/>
+                <a:latin typeface="Arial" panose="020B0604020202020204" pitchFamily="34" charset="0"/>
+              </a:rPr>
+            </a:br>
+            <a:endParaRPr kumimoji="0" lang="en-IT" altLang="en-IT" sz="1800" b="0" i="0" u="none" strike="noStrike" cap="none" normalizeH="0" baseline="0">
+              <a:ln>
+                <a:noFill/>
+              </a:ln>
+              <a:solidFill>
+                <a:schemeClr val="tx1"/>
+              </a:solidFill>
+              <a:effectLst/>
+              <a:latin typeface="Arial" panose="020B0604020202020204" pitchFamily="34" charset="0"/>
+            </a:endParaRPr>
+          </a:p>
+          <a:p>
+            <a:pPr marL="0" marR="0" lvl="0" indent="0" algn="l" defTabSz="914400" rtl="0" eaLnBrk="0" fontAlgn="base" latinLnBrk="0" hangingPunct="0">
+              <a:lnSpc>
+                <a:spcPct val="100000"/>
+              </a:lnSpc>
+              <a:spcBef>
+                <a:spcPct val="0"/>
+              </a:spcBef>
+              <a:spcAft>
+                <a:spcPct val="0"/>
+              </a:spcAft>
+              <a:buClrTx/>
+              <a:buSzTx/>
+              <a:buFontTx/>
+              <a:buNone/>
+              <a:tabLst/>
+            </a:pPr>
+            <a:r>
+              <a:rPr kumimoji="0" lang="en-IT" altLang="en-IT" sz="1800" b="0" i="0" u="none" strike="noStrike" cap="none" normalizeH="0" baseline="0">
+                <a:ln>
+                  <a:noFill/>
+                </a:ln>
+                <a:solidFill>
+                  <a:srgbClr val="FFFFFF"/>
+                </a:solidFill>
+                <a:effectLst/>
+                <a:latin typeface="Calibri" panose="020F0502020204030204" pitchFamily="34" charset="0"/>
+              </a:rPr>
+              <a:t>4</a:t>
+            </a:r>
+            <a:endParaRPr kumimoji="0" lang="en-IT" altLang="en-IT" sz="1200" b="0" i="0" u="none" strike="noStrike" cap="none" normalizeH="0" baseline="0">
+              <a:ln>
+                <a:noFill/>
+              </a:ln>
+              <a:solidFill>
+                <a:schemeClr val="tx1"/>
+              </a:solidFill>
+              <a:effectLst/>
+            </a:endParaRPr>
+          </a:p>
+          <a:p>
+            <a:pPr marL="0" marR="0" lvl="0" indent="0" algn="l" defTabSz="914400" rtl="0" eaLnBrk="0" fontAlgn="base" latinLnBrk="0" hangingPunct="0">
+              <a:lnSpc>
+                <a:spcPct val="100000"/>
+              </a:lnSpc>
+              <a:spcBef>
+                <a:spcPct val="0"/>
+              </a:spcBef>
+              <a:spcAft>
+                <a:spcPct val="0"/>
+              </a:spcAft>
+              <a:buClrTx/>
+              <a:buSzTx/>
+              <a:buFontTx/>
+              <a:buNone/>
+              <a:tabLst/>
+            </a:pPr>
+            <a:br>
+              <a:rPr kumimoji="0" lang="en-IT" altLang="en-IT" sz="1800" b="0" i="0" u="none" strike="noStrike" cap="none" normalizeH="0" baseline="0">
+                <a:ln>
+                  <a:noFill/>
+                </a:ln>
+                <a:solidFill>
+                  <a:schemeClr val="tx1"/>
+                </a:solidFill>
+                <a:effectLst/>
+                <a:latin typeface="Arial" panose="020B0604020202020204" pitchFamily="34" charset="0"/>
+              </a:rPr>
+            </a:br>
+            <a:endParaRPr kumimoji="0" lang="en-IT" altLang="en-IT" sz="1800" b="0" i="0" u="none" strike="noStrike" cap="none" normalizeH="0" baseline="0">
+              <a:ln>
+                <a:noFill/>
+              </a:ln>
+              <a:solidFill>
+                <a:schemeClr val="tx1"/>
+              </a:solidFill>
+              <a:effectLst/>
+              <a:latin typeface="Arial" panose="020B0604020202020204" pitchFamily="34" charset="0"/>
+            </a:endParaRPr>
+          </a:p>
+        </p:txBody>
+      </p:sp>
+      <p:pic>
+        <p:nvPicPr>
+          <p:cNvPr id="1026" name="Picture 2">
+            <a:extLst>
+              <a:ext uri="{FF2B5EF4-FFF2-40B4-BE49-F238E27FC236}">
+                <a16:creationId xmlns:a16="http://schemas.microsoft.com/office/drawing/2014/main" id="{43DD28D6-6C19-5A58-FB52-0FF607C80806}"/>
+              </a:ext>
+            </a:extLst>
+          </p:cNvPr>
+          <p:cNvPicPr>
+            <a:picLocks noChangeAspect="1" noChangeArrowheads="1"/>
+          </p:cNvPicPr>
+          <p:nvPr/>
+        </p:nvPicPr>
+        <p:blipFill>
+          <a:blip r:embed="rId2">
+            <a:extLst>
+              <a:ext uri="{28A0092B-C50C-407E-A947-70E740481C1C}">
+                <a14:useLocalDpi xmlns:a14="http://schemas.microsoft.com/office/drawing/2010/main" val="0"/>
+              </a:ext>
+            </a:extLst>
+          </a:blip>
+          <a:srcRect/>
+          <a:stretch>
+            <a:fillRect/>
+          </a:stretch>
+        </p:blipFill>
+        <p:spPr bwMode="auto">
+          <a:xfrm>
+            <a:off x="-29344176" y="1884599"/>
+            <a:ext cx="7309604" cy="4111652"/>
+          </a:xfrm>
+          <a:prstGeom prst="rect">
+            <a:avLst/>
+          </a:prstGeom>
+          <a:noFill/>
+          <a:extLst>
+            <a:ext uri="{909E8E84-426E-40DD-AFC4-6F175D3DCCD1}">
+              <a14:hiddenFill xmlns:a14="http://schemas.microsoft.com/office/drawing/2010/main">
+                <a:solidFill>
+                  <a:srgbClr val="FFFFFF"/>
+                </a:solidFill>
+              </a14:hiddenFill>
+            </a:ext>
+          </a:extLst>
+        </p:spPr>
+      </p:pic>
+      <p:pic>
+        <p:nvPicPr>
+          <p:cNvPr id="1027" name="Picture 3">
+            <a:extLst>
+              <a:ext uri="{FF2B5EF4-FFF2-40B4-BE49-F238E27FC236}">
+                <a16:creationId xmlns:a16="http://schemas.microsoft.com/office/drawing/2014/main" id="{8BDC6EC1-C028-3DC2-0F72-F6749AF52372}"/>
+              </a:ext>
+            </a:extLst>
+          </p:cNvPr>
+          <p:cNvPicPr>
+            <a:picLocks noChangeAspect="1" noChangeArrowheads="1"/>
+          </p:cNvPicPr>
+          <p:nvPr/>
+        </p:nvPicPr>
+        <p:blipFill>
+          <a:blip r:embed="rId2">
+            <a:extLst>
+              <a:ext uri="{28A0092B-C50C-407E-A947-70E740481C1C}">
+                <a14:useLocalDpi xmlns:a14="http://schemas.microsoft.com/office/drawing/2010/main" val="0"/>
+              </a:ext>
+            </a:extLst>
+          </a:blip>
+          <a:srcRect/>
+          <a:stretch>
+            <a:fillRect/>
+          </a:stretch>
+        </p:blipFill>
+        <p:spPr bwMode="auto">
+          <a:xfrm>
+            <a:off x="-12961176" y="1884599"/>
+            <a:ext cx="7309604" cy="4111652"/>
+          </a:xfrm>
+          <a:prstGeom prst="rect">
+            <a:avLst/>
+          </a:prstGeom>
+          <a:noFill/>
+          <a:extLst>
+            <a:ext uri="{909E8E84-426E-40DD-AFC4-6F175D3DCCD1}">
+              <a14:hiddenFill xmlns:a14="http://schemas.microsoft.com/office/drawing/2010/main">
+                <a:solidFill>
+                  <a:srgbClr val="FFFFFF"/>
+                </a:solidFill>
+              </a14:hiddenFill>
+            </a:ext>
+          </a:extLst>
+        </p:spPr>
+      </p:pic>
+      <p:pic>
+        <p:nvPicPr>
+          <p:cNvPr id="6" name="Picture 5">
+            <a:extLst>
+              <a:ext uri="{FF2B5EF4-FFF2-40B4-BE49-F238E27FC236}">
+                <a16:creationId xmlns:a16="http://schemas.microsoft.com/office/drawing/2014/main" id="{F96B9FD9-2D7F-891A-CAE1-4ECA168E0DDC}"/>
+              </a:ext>
+            </a:extLst>
+          </p:cNvPr>
+          <p:cNvPicPr>
+            <a:picLocks noChangeAspect="1"/>
+          </p:cNvPicPr>
+          <p:nvPr/>
+        </p:nvPicPr>
+        <p:blipFill>
+          <a:blip r:embed="rId3"/>
+          <a:stretch>
+            <a:fillRect/>
+          </a:stretch>
+        </p:blipFill>
+        <p:spPr>
+          <a:xfrm>
+            <a:off x="2209800" y="4139201"/>
+            <a:ext cx="7772400" cy="2043030"/>
+          </a:xfrm>
+          <a:prstGeom prst="rect">
+            <a:avLst/>
+          </a:prstGeom>
+        </p:spPr>
+      </p:pic>
+      <p:sp>
+        <p:nvSpPr>
+          <p:cNvPr id="7" name="TextBox 6">
+            <a:extLst>
+              <a:ext uri="{FF2B5EF4-FFF2-40B4-BE49-F238E27FC236}">
+                <a16:creationId xmlns:a16="http://schemas.microsoft.com/office/drawing/2014/main" id="{375A84DF-B4D6-B28C-61EB-4A11597BC8A6}"/>
+              </a:ext>
+            </a:extLst>
+          </p:cNvPr>
+          <p:cNvSpPr txBox="1"/>
+          <p:nvPr/>
+        </p:nvSpPr>
+        <p:spPr>
+          <a:xfrm>
+            <a:off x="3567408" y="1477470"/>
+            <a:ext cx="9392141" cy="1015663"/>
+          </a:xfrm>
+          <a:prstGeom prst="rect">
+            <a:avLst/>
+          </a:prstGeom>
+          <a:noFill/>
+        </p:spPr>
+        <p:txBody>
+          <a:bodyPr wrap="square" rtlCol="0">
+            <a:spAutoFit/>
+          </a:bodyPr>
+          <a:lstStyle/>
+          <a:p>
+            <a:pPr>
+              <a:buFont typeface="Arial" panose="020B0604020202020204" pitchFamily="34" charset="0"/>
+              <a:buChar char="•"/>
+            </a:pPr>
+            <a:r>
+              <a:rPr lang="en-GB" sz="2000" dirty="0">
+                <a:effectLst/>
+                <a:latin typeface="Helvetica Neue" panose="02000503000000020004" pitchFamily="2" charset="0"/>
+              </a:rPr>
+              <a:t>8th Order Butterworth Filter </a:t>
+            </a:r>
+          </a:p>
+          <a:p>
+            <a:pPr>
+              <a:buFont typeface="Arial" panose="020B0604020202020204" pitchFamily="34" charset="0"/>
+              <a:buChar char="•"/>
+            </a:pPr>
+            <a:r>
+              <a:rPr lang="en-GB" sz="2000" dirty="0">
+                <a:effectLst/>
+                <a:latin typeface="Helvetica Neue" panose="02000503000000020004" pitchFamily="2" charset="0"/>
+              </a:rPr>
+              <a:t>Between 0,8 and 2,45 kHz</a:t>
+            </a:r>
+          </a:p>
+          <a:p>
+            <a:pPr>
+              <a:buFont typeface="Arial" panose="020B0604020202020204" pitchFamily="34" charset="0"/>
+              <a:buChar char="•"/>
+            </a:pPr>
+            <a:r>
+              <a:rPr lang="en-GB" sz="2000" dirty="0">
+                <a:latin typeface="Helvetica Neue" panose="02000503000000020004" pitchFamily="2" charset="0"/>
+              </a:rPr>
+              <a:t>Supress Electromyography (EMG) and high frequency noises</a:t>
+            </a:r>
+            <a:endParaRPr lang="en-GB" sz="2000" dirty="0">
+              <a:effectLst/>
+              <a:latin typeface="Helvetica Neue" panose="02000503000000020004" pitchFamily="2" charset="0"/>
+            </a:endParaRPr>
+          </a:p>
+        </p:txBody>
+      </p:sp>
+      <p:sp>
+        <p:nvSpPr>
+          <p:cNvPr id="8" name="TextBox 7">
+            <a:extLst>
+              <a:ext uri="{FF2B5EF4-FFF2-40B4-BE49-F238E27FC236}">
+                <a16:creationId xmlns:a16="http://schemas.microsoft.com/office/drawing/2014/main" id="{EC7FBA66-E895-3D0E-2676-41445E8A8887}"/>
+              </a:ext>
+            </a:extLst>
+          </p:cNvPr>
+          <p:cNvSpPr txBox="1"/>
+          <p:nvPr/>
+        </p:nvSpPr>
+        <p:spPr>
+          <a:xfrm>
+            <a:off x="3579942" y="2595741"/>
+            <a:ext cx="9392141" cy="707886"/>
+          </a:xfrm>
+          <a:prstGeom prst="rect">
+            <a:avLst/>
+          </a:prstGeom>
+          <a:noFill/>
+        </p:spPr>
+        <p:txBody>
+          <a:bodyPr wrap="square" rtlCol="0">
+            <a:spAutoFit/>
+          </a:bodyPr>
+          <a:lstStyle/>
+          <a:p>
+            <a:pPr>
+              <a:buFont typeface="Arial" panose="020B0604020202020204" pitchFamily="34" charset="0"/>
+              <a:buChar char="•"/>
+            </a:pPr>
+            <a:r>
+              <a:rPr lang="en-GB" sz="2000" dirty="0">
+                <a:effectLst/>
+                <a:latin typeface="Helvetica Neue" panose="02000503000000020004" pitchFamily="2" charset="0"/>
+              </a:rPr>
+              <a:t>From 30 kHz to 5kHz</a:t>
+            </a:r>
+          </a:p>
+          <a:p>
+            <a:pPr>
+              <a:buFont typeface="Arial" panose="020B0604020202020204" pitchFamily="34" charset="0"/>
+              <a:buChar char="•"/>
+            </a:pPr>
+            <a:r>
+              <a:rPr lang="en-GB" sz="2000" dirty="0">
+                <a:effectLst/>
+                <a:latin typeface="Helvetica Neue" panose="02000503000000020004" pitchFamily="2" charset="0"/>
+              </a:rPr>
+              <a:t>Reduce Computational Burden</a:t>
+            </a:r>
+          </a:p>
+        </p:txBody>
+      </p:sp>
+      <p:sp>
+        <p:nvSpPr>
+          <p:cNvPr id="9" name="TextBox 8">
+            <a:extLst>
+              <a:ext uri="{FF2B5EF4-FFF2-40B4-BE49-F238E27FC236}">
+                <a16:creationId xmlns:a16="http://schemas.microsoft.com/office/drawing/2014/main" id="{3324DC1D-7E49-4EB2-5BFC-3BF9A256F567}"/>
+              </a:ext>
+            </a:extLst>
+          </p:cNvPr>
+          <p:cNvSpPr txBox="1"/>
+          <p:nvPr/>
+        </p:nvSpPr>
+        <p:spPr>
+          <a:xfrm>
+            <a:off x="3567407" y="3490178"/>
+            <a:ext cx="9392141" cy="400110"/>
+          </a:xfrm>
+          <a:prstGeom prst="rect">
+            <a:avLst/>
+          </a:prstGeom>
+          <a:noFill/>
+        </p:spPr>
+        <p:txBody>
+          <a:bodyPr wrap="square" rtlCol="0">
+            <a:spAutoFit/>
+          </a:bodyPr>
+          <a:lstStyle/>
+          <a:p>
+            <a:pPr>
+              <a:buFont typeface="Arial" panose="020B0604020202020204" pitchFamily="34" charset="0"/>
+              <a:buChar char="•"/>
+            </a:pPr>
+            <a:r>
+              <a:rPr lang="en-GB" sz="2000" dirty="0">
+                <a:effectLst/>
+                <a:latin typeface="Helvetica Neue" panose="02000503000000020004" pitchFamily="2" charset="0"/>
+              </a:rPr>
+              <a:t>Threshold set at ±30</a:t>
+            </a:r>
+            <a:r>
+              <a:rPr lang="el-GR" sz="2000" dirty="0">
+                <a:effectLst/>
+                <a:latin typeface="Helvetica Neue" panose="02000503000000020004" pitchFamily="2" charset="0"/>
+              </a:rPr>
+              <a:t>μ</a:t>
+            </a:r>
+            <a:endParaRPr lang="en-GB" sz="2000" dirty="0">
+              <a:effectLst/>
+              <a:latin typeface="Helvetica Neue" panose="02000503000000020004" pitchFamily="2" charset="0"/>
+            </a:endParaRPr>
+          </a:p>
+        </p:txBody>
+      </p:sp>
+      <p:sp>
+        <p:nvSpPr>
+          <p:cNvPr id="10" name="TextBox 9">
+            <a:extLst>
+              <a:ext uri="{FF2B5EF4-FFF2-40B4-BE49-F238E27FC236}">
+                <a16:creationId xmlns:a16="http://schemas.microsoft.com/office/drawing/2014/main" id="{751D9A9B-8B3B-C077-A3D8-60B01BD11BBB}"/>
+              </a:ext>
+            </a:extLst>
+          </p:cNvPr>
+          <p:cNvSpPr txBox="1"/>
+          <p:nvPr/>
+        </p:nvSpPr>
+        <p:spPr>
+          <a:xfrm>
+            <a:off x="587101" y="3490178"/>
+            <a:ext cx="2386526" cy="400110"/>
+          </a:xfrm>
+          <a:prstGeom prst="rect">
+            <a:avLst/>
+          </a:prstGeom>
+          <a:noFill/>
+        </p:spPr>
+        <p:txBody>
+          <a:bodyPr wrap="square" rtlCol="0">
+            <a:spAutoFit/>
+          </a:bodyPr>
+          <a:lstStyle/>
+          <a:p>
+            <a:r>
+              <a:rPr lang="en-US" sz="2000" b="1" dirty="0">
+                <a:effectLst/>
+                <a:latin typeface="Helvetica Neue" panose="02000503000000020004" pitchFamily="2" charset="0"/>
+              </a:rPr>
+              <a:t>Outliers removal</a:t>
+            </a:r>
+            <a:endParaRPr lang="en-GB" sz="2000" b="1" dirty="0">
+              <a:effectLst/>
+              <a:latin typeface="Helvetica Neue" panose="02000503000000020004" pitchFamily="2" charset="0"/>
+            </a:endParaRPr>
+          </a:p>
+        </p:txBody>
+      </p:sp>
+      <p:sp>
+        <p:nvSpPr>
+          <p:cNvPr id="11" name="TextBox 10">
+            <a:extLst>
+              <a:ext uri="{FF2B5EF4-FFF2-40B4-BE49-F238E27FC236}">
+                <a16:creationId xmlns:a16="http://schemas.microsoft.com/office/drawing/2014/main" id="{A8FEC28A-97D6-FA76-DA68-322FA6D66A2A}"/>
+              </a:ext>
+            </a:extLst>
+          </p:cNvPr>
+          <p:cNvSpPr txBox="1"/>
+          <p:nvPr/>
+        </p:nvSpPr>
+        <p:spPr>
+          <a:xfrm>
+            <a:off x="587101" y="2718799"/>
+            <a:ext cx="2386526" cy="400110"/>
+          </a:xfrm>
+          <a:prstGeom prst="rect">
+            <a:avLst/>
+          </a:prstGeom>
+          <a:noFill/>
+        </p:spPr>
+        <p:txBody>
+          <a:bodyPr wrap="square" rtlCol="0">
+            <a:spAutoFit/>
+          </a:bodyPr>
+          <a:lstStyle/>
+          <a:p>
+            <a:r>
+              <a:rPr lang="en-US" sz="2000" b="1">
+                <a:effectLst/>
+                <a:latin typeface="Helvetica Neue" panose="02000503000000020004" pitchFamily="2" charset="0"/>
+              </a:rPr>
+              <a:t>Downsample</a:t>
+            </a:r>
+            <a:endParaRPr lang="en-GB" sz="2000" b="1" dirty="0">
+              <a:effectLst/>
+              <a:latin typeface="Helvetica Neue" panose="02000503000000020004" pitchFamily="2" charset="0"/>
+            </a:endParaRPr>
+          </a:p>
+        </p:txBody>
+      </p:sp>
+      <p:sp>
+        <p:nvSpPr>
+          <p:cNvPr id="12" name="TextBox 11">
+            <a:extLst>
+              <a:ext uri="{FF2B5EF4-FFF2-40B4-BE49-F238E27FC236}">
+                <a16:creationId xmlns:a16="http://schemas.microsoft.com/office/drawing/2014/main" id="{7C82FAFF-A44E-F926-94C4-B92A524990B8}"/>
+              </a:ext>
+            </a:extLst>
+          </p:cNvPr>
+          <p:cNvSpPr txBox="1"/>
+          <p:nvPr/>
+        </p:nvSpPr>
+        <p:spPr>
+          <a:xfrm>
+            <a:off x="587101" y="1790336"/>
+            <a:ext cx="2386526" cy="400110"/>
+          </a:xfrm>
+          <a:prstGeom prst="rect">
+            <a:avLst/>
+          </a:prstGeom>
+          <a:noFill/>
+        </p:spPr>
+        <p:txBody>
+          <a:bodyPr wrap="square" rtlCol="0">
+            <a:spAutoFit/>
+          </a:bodyPr>
+          <a:lstStyle/>
+          <a:p>
+            <a:r>
+              <a:rPr lang="en-US" sz="2000" b="1" dirty="0">
+                <a:effectLst/>
+                <a:latin typeface="Helvetica Neue" panose="02000503000000020004" pitchFamily="2" charset="0"/>
+              </a:rPr>
+              <a:t>Bandpass</a:t>
+            </a:r>
+            <a:endParaRPr lang="en-GB" sz="2000" b="1" dirty="0">
+              <a:effectLst/>
+              <a:latin typeface="Helvetica Neue" panose="02000503000000020004" pitchFamily="2" charset="0"/>
+            </a:endParaRPr>
+          </a:p>
+        </p:txBody>
+      </p:sp>
+    </p:spTree>
+    <p:extLst>
+      <p:ext uri="{BB962C8B-B14F-4D97-AF65-F5344CB8AC3E}">
+        <p14:creationId xmlns:p14="http://schemas.microsoft.com/office/powerpoint/2010/main" val="801566698"/>
+      </p:ext>
+    </p:extLst>
+  </p:cSld>
+  <p:clrMapOvr>
+    <a:masterClrMapping/>
+  </p:clrMapOvr>
+</p:sld>
+</file>
+
+<file path=ppt/slides/slide3.xml><?xml version="1.0" encoding="utf-8"?>
+<p:sld xmlns:a="http://schemas.openxmlformats.org/drawingml/2006/main" xmlns:r="http://schemas.openxmlformats.org/officeDocument/2006/relationships" xmlns:p="http://schemas.openxmlformats.org/presentationml/2006/main">
+  <p:cSld>
+    <p:spTree>
+      <p:nvGrpSpPr>
+        <p:cNvPr id="1" name=""/>
+        <p:cNvGrpSpPr/>
+        <p:nvPr/>
+      </p:nvGrpSpPr>
+      <p:grpSpPr>
+        <a:xfrm>
+          <a:off x="0" y="0"/>
+          <a:ext cx="0" cy="0"/>
+          <a:chOff x="0" y="0"/>
+          <a:chExt cx="0" cy="0"/>
+        </a:xfrm>
+      </p:grpSpPr>
+      <p:sp>
+        <p:nvSpPr>
+          <p:cNvPr id="2" name="Slide Number Placeholder 1"/>
+          <p:cNvSpPr>
+            <a:spLocks noGrp="1"/>
+          </p:cNvSpPr>
+          <p:nvPr>
+            <p:ph type="sldNum" sz="quarter" idx="12"/>
+          </p:nvPr>
+        </p:nvSpPr>
+        <p:spPr/>
+        <p:txBody>
+          <a:bodyPr/>
+          <a:lstStyle/>
+          <a:p>
+            <a:fld id="{DCE09022-C08B-4F34-B9F0-43AC160DA04C}" type="slidenum">
+              <a:rPr lang="it-IT" smtClean="0"/>
+              <a:pPr/>
+              <a:t>3</a:t>
+            </a:fld>
+            <a:r>
+              <a:rPr lang="it-IT" dirty="0"/>
+              <a:t>/XX</a:t>
+            </a:r>
+          </a:p>
+        </p:txBody>
+      </p:sp>
+      <p:sp>
+        <p:nvSpPr>
+          <p:cNvPr id="3" name="Title 2"/>
+          <p:cNvSpPr>
+            <a:spLocks noGrp="1"/>
+          </p:cNvSpPr>
+          <p:nvPr>
+            <p:ph type="title"/>
+          </p:nvPr>
+        </p:nvSpPr>
+        <p:spPr/>
+        <p:txBody>
+          <a:bodyPr/>
+          <a:lstStyle/>
+          <a:p>
+            <a:r>
+              <a:rPr lang="it-IT" dirty="0"/>
+              <a:t>Methods</a:t>
+            </a:r>
+          </a:p>
+        </p:txBody>
+      </p:sp>
+    </p:spTree>
+    <p:extLst>
+      <p:ext uri="{BB962C8B-B14F-4D97-AF65-F5344CB8AC3E}">
+        <p14:creationId xmlns:p14="http://schemas.microsoft.com/office/powerpoint/2010/main" val="1031182640"/>
+      </p:ext>
+    </p:extLst>
+  </p:cSld>
+  <p:clrMapOvr>
+    <a:masterClrMapping/>
+  </p:clrMapOvr>
+</p:sld>
+</file>
+
+<file path=ppt/slides/slide4.xml><?xml version="1.0" encoding="utf-8"?>
+<p:sld xmlns:a="http://schemas.openxmlformats.org/drawingml/2006/main" xmlns:r="http://schemas.openxmlformats.org/officeDocument/2006/relationships" xmlns:p="http://schemas.openxmlformats.org/presentationml/2006/main">
+  <p:cSld>
+    <p:spTree>
+      <p:nvGrpSpPr>
+        <p:cNvPr id="1" name=""/>
+        <p:cNvGrpSpPr/>
+        <p:nvPr/>
+      </p:nvGrpSpPr>
+      <p:grpSpPr>
+        <a:xfrm>
+          <a:off x="0" y="0"/>
+          <a:ext cx="0" cy="0"/>
+          <a:chOff x="0" y="0"/>
+          <a:chExt cx="0" cy="0"/>
+        </a:xfrm>
+      </p:grpSpPr>
+      <p:sp>
+        <p:nvSpPr>
+          <p:cNvPr id="2" name="Slide Number Placeholder 1"/>
+          <p:cNvSpPr>
+            <a:spLocks noGrp="1"/>
+          </p:cNvSpPr>
+          <p:nvPr>
+            <p:ph type="sldNum" sz="quarter" idx="12"/>
+          </p:nvPr>
+        </p:nvSpPr>
+        <p:spPr/>
+        <p:txBody>
+          <a:bodyPr/>
+          <a:lstStyle/>
+          <a:p>
+            <a:fld id="{DCE09022-C08B-4F34-B9F0-43AC160DA04C}" type="slidenum">
+              <a:rPr lang="it-IT" smtClean="0"/>
+              <a:pPr/>
+              <a:t>4</a:t>
+            </a:fld>
+            <a:r>
+              <a:rPr lang="it-IT" dirty="0"/>
+              <a:t>/XX</a:t>
+            </a:r>
+          </a:p>
+        </p:txBody>
+      </p:sp>
+      <p:sp>
+        <p:nvSpPr>
+          <p:cNvPr id="3" name="Title 2"/>
+          <p:cNvSpPr>
+            <a:spLocks noGrp="1"/>
+          </p:cNvSpPr>
+          <p:nvPr>
+            <p:ph type="title"/>
+          </p:nvPr>
+        </p:nvSpPr>
+        <p:spPr/>
+        <p:txBody>
+          <a:bodyPr/>
+          <a:lstStyle/>
+          <a:p>
+            <a:r>
+              <a:rPr lang="it-IT" dirty="0"/>
+              <a:t>Issues</a:t>
+            </a:r>
+          </a:p>
+        </p:txBody>
+      </p:sp>
+      <p:sp>
+        <p:nvSpPr>
+          <p:cNvPr id="4" name="TextBox 3">
+            <a:extLst>
+              <a:ext uri="{FF2B5EF4-FFF2-40B4-BE49-F238E27FC236}">
+                <a16:creationId xmlns:a16="http://schemas.microsoft.com/office/drawing/2014/main" id="{B84B69B6-CF4F-CCC9-6AF1-DC63BD11676F}"/>
+              </a:ext>
+            </a:extLst>
+          </p:cNvPr>
+          <p:cNvSpPr txBox="1"/>
+          <p:nvPr/>
+        </p:nvSpPr>
+        <p:spPr>
+          <a:xfrm>
+            <a:off x="519466" y="2598003"/>
+            <a:ext cx="6143047" cy="830997"/>
+          </a:xfrm>
+          <a:prstGeom prst="rect">
+            <a:avLst/>
+          </a:prstGeom>
+          <a:noFill/>
+        </p:spPr>
+        <p:txBody>
+          <a:bodyPr wrap="square">
+            <a:spAutoFit/>
+          </a:bodyPr>
+          <a:lstStyle/>
+          <a:p>
+            <a:r>
+              <a:rPr lang="en-IT" sz="2400" dirty="0"/>
+              <a:t>We need to retrain part of the model.</a:t>
+            </a:r>
+          </a:p>
+          <a:p>
+            <a:r>
+              <a:rPr lang="en-IT" sz="2400" dirty="0"/>
+              <a:t>But overall need an online method</a:t>
+            </a:r>
+          </a:p>
+        </p:txBody>
+      </p:sp>
+    </p:spTree>
+    <p:extLst>
+      <p:ext uri="{BB962C8B-B14F-4D97-AF65-F5344CB8AC3E}">
+        <p14:creationId xmlns:p14="http://schemas.microsoft.com/office/powerpoint/2010/main" val="1710977813"/>
+      </p:ext>
+    </p:extLst>
+  </p:cSld>
+  <p:clrMapOvr>
+    <a:masterClrMapping/>
+  </p:clrMapOvr>
+</p:sld>
+</file>
+
+<file path=ppt/slides/slide5.xml><?xml version="1.0" encoding="utf-8"?>
+<p:sld xmlns:a="http://schemas.openxmlformats.org/drawingml/2006/main" xmlns:r="http://schemas.openxmlformats.org/officeDocument/2006/relationships" xmlns:p="http://schemas.openxmlformats.org/presentationml/2006/main">
+  <p:cSld>
+    <p:spTree>
+      <p:nvGrpSpPr>
+        <p:cNvPr id="1" name=""/>
+        <p:cNvGrpSpPr/>
+        <p:nvPr/>
+      </p:nvGrpSpPr>
+      <p:grpSpPr>
+        <a:xfrm>
+          <a:off x="0" y="0"/>
+          <a:ext cx="0" cy="0"/>
+          <a:chOff x="0" y="0"/>
+          <a:chExt cx="0" cy="0"/>
+        </a:xfrm>
+      </p:grpSpPr>
+      <p:sp>
+        <p:nvSpPr>
+          <p:cNvPr id="2" name="Slide Number Placeholder 1"/>
+          <p:cNvSpPr>
+            <a:spLocks noGrp="1"/>
+          </p:cNvSpPr>
+          <p:nvPr>
+            <p:ph type="sldNum" sz="quarter" idx="12"/>
+          </p:nvPr>
+        </p:nvSpPr>
+        <p:spPr/>
+        <p:txBody>
+          <a:bodyPr/>
+          <a:lstStyle/>
+          <a:p>
+            <a:fld id="{DCE09022-C08B-4F34-B9F0-43AC160DA04C}" type="slidenum">
+              <a:rPr lang="it-IT" smtClean="0"/>
+              <a:pPr/>
+              <a:t>5</a:t>
             </a:fld>
             <a:r>
               <a:rPr lang="it-IT" dirty="0"/>
@@ -2236,7 +4666,7 @@
 </p:sld>
 </file>
 
-<file path=ppt/slides/slide3.xml><?xml version="1.0" encoding="utf-8"?>
+<file path=ppt/slides/slide6.xml><?xml version="1.0" encoding="utf-8"?>
 <p:sld xmlns:a="http://schemas.openxmlformats.org/drawingml/2006/main" xmlns:r="http://schemas.openxmlformats.org/officeDocument/2006/relationships" xmlns:p="http://schemas.openxmlformats.org/presentationml/2006/main">
   <p:cSld>
     <p:spTree>
@@ -2271,7 +4701,7 @@
             <a:fld id="{DCE09022-C08B-4F34-B9F0-43AC160DA04C}" type="slidenum">
               <a:rPr lang="it-IT" smtClean="0"/>
               <a:pPr/>
-              <a:t>3</a:t>
+              <a:t>6</a:t>
             </a:fld>
             <a:r>
               <a:rPr lang="it-IT" dirty="0"/>
@@ -2441,7 +4871,7 @@
 </p:sld>
 </file>
 
-<file path=ppt/slides/slide4.xml><?xml version="1.0" encoding="utf-8"?>
+<file path=ppt/slides/slide7.xml><?xml version="1.0" encoding="utf-8"?>
 <p:sld xmlns:a="http://schemas.openxmlformats.org/drawingml/2006/main" xmlns:r="http://schemas.openxmlformats.org/officeDocument/2006/relationships" xmlns:p="http://schemas.openxmlformats.org/presentationml/2006/main">
   <p:cSld>
     <p:bg>
@@ -2819,7 +5249,7 @@
             <a:fld id="{DCE09022-C08B-4F34-B9F0-43AC160DA04C}" type="slidenum">
               <a:rPr lang="it-IT" smtClean="0"/>
               <a:pPr/>
-              <a:t>4</a:t>
+              <a:t>7</a:t>
             </a:fld>
             <a:r>
               <a:rPr lang="it-IT" dirty="0"/>
@@ -2892,710 +5322,6 @@
     <p:extLst>
       <p:ext uri="{BB962C8B-B14F-4D97-AF65-F5344CB8AC3E}">
         <p14:creationId xmlns:p14="http://schemas.microsoft.com/office/powerpoint/2010/main" val="1477365032"/>
-      </p:ext>
-    </p:extLst>
-  </p:cSld>
-  <p:clrMapOvr>
-    <a:masterClrMapping/>
-  </p:clrMapOvr>
-</p:sld>
-</file>
-
-<file path=ppt/slides/slide5.xml><?xml version="1.0" encoding="utf-8"?>
-<p:sld xmlns:a="http://schemas.openxmlformats.org/drawingml/2006/main" xmlns:r="http://schemas.openxmlformats.org/officeDocument/2006/relationships" xmlns:p="http://schemas.openxmlformats.org/presentationml/2006/main">
-  <p:cSld>
-    <p:spTree>
-      <p:nvGrpSpPr>
-        <p:cNvPr id="1" name=""/>
-        <p:cNvGrpSpPr/>
-        <p:nvPr/>
-      </p:nvGrpSpPr>
-      <p:grpSpPr>
-        <a:xfrm>
-          <a:off x="0" y="0"/>
-          <a:ext cx="0" cy="0"/>
-          <a:chOff x="0" y="0"/>
-          <a:chExt cx="0" cy="0"/>
-        </a:xfrm>
-      </p:grpSpPr>
-      <p:sp>
-        <p:nvSpPr>
-          <p:cNvPr id="2" name="Slide Number Placeholder 1"/>
-          <p:cNvSpPr>
-            <a:spLocks noGrp="1"/>
-          </p:cNvSpPr>
-          <p:nvPr>
-            <p:ph type="sldNum" sz="quarter" idx="12"/>
-          </p:nvPr>
-        </p:nvSpPr>
-        <p:spPr/>
-        <p:txBody>
-          <a:bodyPr/>
-          <a:lstStyle/>
-          <a:p>
-            <a:fld id="{DCE09022-C08B-4F34-B9F0-43AC160DA04C}" type="slidenum">
-              <a:rPr lang="it-IT" smtClean="0"/>
-              <a:pPr/>
-              <a:t>5</a:t>
-            </a:fld>
-            <a:r>
-              <a:rPr lang="it-IT" dirty="0"/>
-              <a:t>/XX</a:t>
-            </a:r>
-          </a:p>
-        </p:txBody>
-      </p:sp>
-      <p:sp>
-        <p:nvSpPr>
-          <p:cNvPr id="3" name="Title 2"/>
-          <p:cNvSpPr>
-            <a:spLocks noGrp="1"/>
-          </p:cNvSpPr>
-          <p:nvPr>
-            <p:ph type="title"/>
-          </p:nvPr>
-        </p:nvSpPr>
-        <p:spPr/>
-        <p:txBody>
-          <a:bodyPr/>
-          <a:lstStyle/>
-          <a:p>
-            <a:r>
-              <a:rPr lang="it-IT" dirty="0" err="1"/>
-              <a:t>Downsample</a:t>
-            </a:r>
-            <a:endParaRPr lang="it-IT" dirty="0"/>
-          </a:p>
-        </p:txBody>
-      </p:sp>
-      <p:pic>
-        <p:nvPicPr>
-          <p:cNvPr id="5" name="Picture 4">
-            <a:extLst>
-              <a:ext uri="{FF2B5EF4-FFF2-40B4-BE49-F238E27FC236}">
-                <a16:creationId xmlns:a16="http://schemas.microsoft.com/office/drawing/2014/main" id="{5A7E6B77-91F3-5C5C-B623-2282E3C5AA19}"/>
-              </a:ext>
-            </a:extLst>
-          </p:cNvPr>
-          <p:cNvPicPr>
-            <a:picLocks noChangeAspect="1"/>
-          </p:cNvPicPr>
-          <p:nvPr/>
-        </p:nvPicPr>
-        <p:blipFill>
-          <a:blip r:embed="rId2"/>
-          <a:stretch>
-            <a:fillRect/>
-          </a:stretch>
-        </p:blipFill>
-        <p:spPr>
-          <a:xfrm>
-            <a:off x="483290" y="2332915"/>
-            <a:ext cx="5008604" cy="3837378"/>
-          </a:xfrm>
-          <a:prstGeom prst="rect">
-            <a:avLst/>
-          </a:prstGeom>
-        </p:spPr>
-      </p:pic>
-      <p:pic>
-        <p:nvPicPr>
-          <p:cNvPr id="6" name="Picture 5">
-            <a:extLst>
-              <a:ext uri="{FF2B5EF4-FFF2-40B4-BE49-F238E27FC236}">
-                <a16:creationId xmlns:a16="http://schemas.microsoft.com/office/drawing/2014/main" id="{F5CEDB97-C363-0DBF-27C5-CF090AEBB0F2}"/>
-              </a:ext>
-            </a:extLst>
-          </p:cNvPr>
-          <p:cNvPicPr>
-            <a:picLocks noChangeAspect="1"/>
-          </p:cNvPicPr>
-          <p:nvPr/>
-        </p:nvPicPr>
-        <p:blipFill>
-          <a:blip r:embed="rId3"/>
-          <a:stretch>
-            <a:fillRect/>
-          </a:stretch>
-        </p:blipFill>
-        <p:spPr>
-          <a:xfrm>
-            <a:off x="6488326" y="2332915"/>
-            <a:ext cx="5156744" cy="3624630"/>
-          </a:xfrm>
-          <a:prstGeom prst="rect">
-            <a:avLst/>
-          </a:prstGeom>
-        </p:spPr>
-      </p:pic>
-      <p:sp>
-        <p:nvSpPr>
-          <p:cNvPr id="7" name="TextBox 6">
-            <a:extLst>
-              <a:ext uri="{FF2B5EF4-FFF2-40B4-BE49-F238E27FC236}">
-                <a16:creationId xmlns:a16="http://schemas.microsoft.com/office/drawing/2014/main" id="{BB59488E-FB05-847E-9420-13330E9AB8F1}"/>
-              </a:ext>
-            </a:extLst>
-          </p:cNvPr>
-          <p:cNvSpPr txBox="1"/>
-          <p:nvPr/>
-        </p:nvSpPr>
-        <p:spPr>
-          <a:xfrm>
-            <a:off x="2288314" y="5877004"/>
-            <a:ext cx="1083785" cy="369332"/>
-          </a:xfrm>
-          <a:prstGeom prst="rect">
-            <a:avLst/>
-          </a:prstGeom>
-          <a:noFill/>
-        </p:spPr>
-        <p:txBody>
-          <a:bodyPr wrap="square" rtlCol="0">
-            <a:spAutoFit/>
-          </a:bodyPr>
-          <a:lstStyle/>
-          <a:p>
-            <a:r>
-              <a:rPr lang="en-IT" dirty="0"/>
-              <a:t>30Khz</a:t>
-            </a:r>
-          </a:p>
-        </p:txBody>
-      </p:sp>
-      <p:sp>
-        <p:nvSpPr>
-          <p:cNvPr id="8" name="TextBox 7">
-            <a:extLst>
-              <a:ext uri="{FF2B5EF4-FFF2-40B4-BE49-F238E27FC236}">
-                <a16:creationId xmlns:a16="http://schemas.microsoft.com/office/drawing/2014/main" id="{E5ADA3A0-607E-C813-44FB-09989FC4E5E1}"/>
-              </a:ext>
-            </a:extLst>
-          </p:cNvPr>
-          <p:cNvSpPr txBox="1"/>
-          <p:nvPr/>
-        </p:nvSpPr>
-        <p:spPr>
-          <a:xfrm>
-            <a:off x="8981814" y="5877004"/>
-            <a:ext cx="2384854" cy="369332"/>
-          </a:xfrm>
-          <a:prstGeom prst="rect">
-            <a:avLst/>
-          </a:prstGeom>
-          <a:noFill/>
-        </p:spPr>
-        <p:txBody>
-          <a:bodyPr wrap="square" rtlCol="0">
-            <a:spAutoFit/>
-          </a:bodyPr>
-          <a:lstStyle/>
-          <a:p>
-            <a:r>
-              <a:rPr lang="en-IT" dirty="0"/>
-              <a:t>5Khz</a:t>
-            </a:r>
-          </a:p>
-        </p:txBody>
-      </p:sp>
-      <p:sp>
-        <p:nvSpPr>
-          <p:cNvPr id="9" name="TextBox 8">
-            <a:extLst>
-              <a:ext uri="{FF2B5EF4-FFF2-40B4-BE49-F238E27FC236}">
-                <a16:creationId xmlns:a16="http://schemas.microsoft.com/office/drawing/2014/main" id="{CC2234F3-AB60-65FA-DDB2-EBF6FD22BA3C}"/>
-              </a:ext>
-            </a:extLst>
-          </p:cNvPr>
-          <p:cNvSpPr txBox="1"/>
-          <p:nvPr/>
-        </p:nvSpPr>
-        <p:spPr>
-          <a:xfrm>
-            <a:off x="319725" y="1541648"/>
-            <a:ext cx="11660150" cy="369332"/>
-          </a:xfrm>
-          <a:prstGeom prst="rect">
-            <a:avLst/>
-          </a:prstGeom>
-          <a:noFill/>
-        </p:spPr>
-        <p:txBody>
-          <a:bodyPr wrap="square" rtlCol="0">
-            <a:spAutoFit/>
-          </a:bodyPr>
-          <a:lstStyle/>
-          <a:p>
-            <a:r>
-              <a:rPr lang="en-IT" dirty="0"/>
-              <a:t>We downsample the signal to reduce calculation complexity without losing too much information from the origianl signal</a:t>
-            </a:r>
-          </a:p>
-        </p:txBody>
-      </p:sp>
-    </p:spTree>
-    <p:extLst>
-      <p:ext uri="{BB962C8B-B14F-4D97-AF65-F5344CB8AC3E}">
-        <p14:creationId xmlns:p14="http://schemas.microsoft.com/office/powerpoint/2010/main" val="3682577282"/>
-      </p:ext>
-    </p:extLst>
-  </p:cSld>
-  <p:clrMapOvr>
-    <a:masterClrMapping/>
-  </p:clrMapOvr>
-</p:sld>
-</file>
-
-<file path=ppt/slides/slide6.xml><?xml version="1.0" encoding="utf-8"?>
-<p:sld xmlns:a="http://schemas.openxmlformats.org/drawingml/2006/main" xmlns:r="http://schemas.openxmlformats.org/officeDocument/2006/relationships" xmlns:p="http://schemas.openxmlformats.org/presentationml/2006/main">
-  <p:cSld>
-    <p:spTree>
-      <p:nvGrpSpPr>
-        <p:cNvPr id="1" name=""/>
-        <p:cNvGrpSpPr/>
-        <p:nvPr/>
-      </p:nvGrpSpPr>
-      <p:grpSpPr>
-        <a:xfrm>
-          <a:off x="0" y="0"/>
-          <a:ext cx="0" cy="0"/>
-          <a:chOff x="0" y="0"/>
-          <a:chExt cx="0" cy="0"/>
-        </a:xfrm>
-      </p:grpSpPr>
-      <p:sp>
-        <p:nvSpPr>
-          <p:cNvPr id="2" name="Slide Number Placeholder 1"/>
-          <p:cNvSpPr>
-            <a:spLocks noGrp="1"/>
-          </p:cNvSpPr>
-          <p:nvPr>
-            <p:ph type="sldNum" sz="quarter" idx="12"/>
-          </p:nvPr>
-        </p:nvSpPr>
-        <p:spPr/>
-        <p:txBody>
-          <a:bodyPr/>
-          <a:lstStyle/>
-          <a:p>
-            <a:fld id="{DCE09022-C08B-4F34-B9F0-43AC160DA04C}" type="slidenum">
-              <a:rPr lang="it-IT" smtClean="0"/>
-              <a:pPr/>
-              <a:t>6</a:t>
-            </a:fld>
-            <a:r>
-              <a:rPr lang="it-IT" dirty="0"/>
-              <a:t>/XX</a:t>
-            </a:r>
-          </a:p>
-        </p:txBody>
-      </p:sp>
-      <p:sp>
-        <p:nvSpPr>
-          <p:cNvPr id="3" name="Title 2"/>
-          <p:cNvSpPr>
-            <a:spLocks noGrp="1"/>
-          </p:cNvSpPr>
-          <p:nvPr>
-            <p:ph type="title"/>
-          </p:nvPr>
-        </p:nvSpPr>
-        <p:spPr/>
-        <p:txBody>
-          <a:bodyPr/>
-          <a:lstStyle/>
-          <a:p>
-            <a:r>
-              <a:rPr lang="it-IT" dirty="0"/>
-              <a:t>Time on / Time off</a:t>
-            </a:r>
-          </a:p>
-        </p:txBody>
-      </p:sp>
-      <p:sp>
-        <p:nvSpPr>
-          <p:cNvPr id="6" name="TextBox 5">
-            <a:extLst>
-              <a:ext uri="{FF2B5EF4-FFF2-40B4-BE49-F238E27FC236}">
-                <a16:creationId xmlns:a16="http://schemas.microsoft.com/office/drawing/2014/main" id="{8A6FE9D8-AB89-0D26-3CC4-CD79BEC6F985}"/>
-              </a:ext>
-            </a:extLst>
-          </p:cNvPr>
-          <p:cNvSpPr txBox="1"/>
-          <p:nvPr/>
-        </p:nvSpPr>
-        <p:spPr>
-          <a:xfrm>
-            <a:off x="377686" y="1148474"/>
-            <a:ext cx="11602189" cy="830997"/>
-          </a:xfrm>
-          <a:prstGeom prst="rect">
-            <a:avLst/>
-          </a:prstGeom>
-          <a:noFill/>
-        </p:spPr>
-        <p:txBody>
-          <a:bodyPr wrap="square">
-            <a:spAutoFit/>
-          </a:bodyPr>
-          <a:lstStyle/>
-          <a:p>
-            <a:r>
-              <a:rPr lang="en-IT" sz="2400" dirty="0"/>
-              <a:t>We have downsampled the signal but we still need to find the part of the signals where the actual actions happens. </a:t>
-            </a:r>
-          </a:p>
-        </p:txBody>
-      </p:sp>
-      <p:sp>
-        <p:nvSpPr>
-          <p:cNvPr id="7" name="TextBox 6">
-            <a:extLst>
-              <a:ext uri="{FF2B5EF4-FFF2-40B4-BE49-F238E27FC236}">
-                <a16:creationId xmlns:a16="http://schemas.microsoft.com/office/drawing/2014/main" id="{2A21DA93-3870-81B0-3D0B-DEA0E23CAC4E}"/>
-              </a:ext>
-            </a:extLst>
-          </p:cNvPr>
-          <p:cNvSpPr txBox="1"/>
-          <p:nvPr/>
-        </p:nvSpPr>
-        <p:spPr>
-          <a:xfrm>
-            <a:off x="558642" y="2348803"/>
-            <a:ext cx="4311532" cy="3814578"/>
-          </a:xfrm>
-          <a:prstGeom prst="rect">
-            <a:avLst/>
-          </a:prstGeom>
-        </p:spPr>
-        <p:txBody>
-          <a:bodyPr vert="horz" lIns="91440" tIns="45720" rIns="91440" bIns="45720" rtlCol="0" anchor="t">
-            <a:normAutofit/>
-          </a:bodyPr>
-          <a:lstStyle/>
-          <a:p>
-            <a:pPr indent="-228600">
-              <a:lnSpc>
-                <a:spcPct val="90000"/>
-              </a:lnSpc>
-              <a:spcAft>
-                <a:spcPts val="600"/>
-              </a:spcAft>
-              <a:buFont typeface="Arial" panose="020B0604020202020204" pitchFamily="34" charset="0"/>
-              <a:buChar char="•"/>
-            </a:pPr>
-            <a:r>
-              <a:rPr lang="en-IT" sz="2400" dirty="0"/>
-              <a:t>For Proprioception and Touch we can start by reading the .nev files included in the dataset</a:t>
-            </a:r>
-          </a:p>
-          <a:p>
-            <a:pPr>
-              <a:lnSpc>
-                <a:spcPct val="90000"/>
-              </a:lnSpc>
-              <a:spcAft>
-                <a:spcPts val="600"/>
-              </a:spcAft>
-            </a:pPr>
-            <a:endParaRPr lang="en-US" sz="2400" dirty="0">
-              <a:effectLst/>
-            </a:endParaRPr>
-          </a:p>
-          <a:p>
-            <a:pPr indent="-228600">
-              <a:lnSpc>
-                <a:spcPct val="90000"/>
-              </a:lnSpc>
-              <a:spcAft>
-                <a:spcPts val="600"/>
-              </a:spcAft>
-              <a:buFont typeface="Arial" panose="020B0604020202020204" pitchFamily="34" charset="0"/>
-              <a:buChar char="•"/>
-            </a:pPr>
-            <a:r>
-              <a:rPr lang="en-US" sz="2400" dirty="0">
-                <a:effectLst/>
-              </a:rPr>
-              <a:t>For </a:t>
-            </a:r>
-            <a:r>
-              <a:rPr lang="en-US" sz="2400" dirty="0" err="1">
-                <a:effectLst/>
-              </a:rPr>
-              <a:t>Noci</a:t>
-            </a:r>
-            <a:r>
-              <a:rPr lang="en-US" sz="2400" dirty="0">
-                <a:effectLst/>
-              </a:rPr>
-              <a:t>… we must use a different approach by detecting when the signal is higher than a certain thresholds we find empirically</a:t>
-            </a:r>
-          </a:p>
-        </p:txBody>
-      </p:sp>
-      <p:pic>
-        <p:nvPicPr>
-          <p:cNvPr id="8" name="Picture 7">
-            <a:extLst>
-              <a:ext uri="{FF2B5EF4-FFF2-40B4-BE49-F238E27FC236}">
-                <a16:creationId xmlns:a16="http://schemas.microsoft.com/office/drawing/2014/main" id="{8C6B466E-224F-9159-5F4E-C61C4BEA8547}"/>
-              </a:ext>
-            </a:extLst>
-          </p:cNvPr>
-          <p:cNvPicPr>
-            <a:picLocks noChangeAspect="1"/>
-          </p:cNvPicPr>
-          <p:nvPr/>
-        </p:nvPicPr>
-        <p:blipFill>
-          <a:blip r:embed="rId2"/>
-          <a:stretch>
-            <a:fillRect/>
-          </a:stretch>
-        </p:blipFill>
-        <p:spPr>
-          <a:xfrm>
-            <a:off x="6078597" y="1805133"/>
-            <a:ext cx="5554761" cy="3904393"/>
-          </a:xfrm>
-          <a:prstGeom prst="rect">
-            <a:avLst/>
-          </a:prstGeom>
-        </p:spPr>
-      </p:pic>
-    </p:spTree>
-    <p:extLst>
-      <p:ext uri="{BB962C8B-B14F-4D97-AF65-F5344CB8AC3E}">
-        <p14:creationId xmlns:p14="http://schemas.microsoft.com/office/powerpoint/2010/main" val="27904677"/>
-      </p:ext>
-    </p:extLst>
-  </p:cSld>
-  <p:clrMapOvr>
-    <a:masterClrMapping/>
-  </p:clrMapOvr>
-</p:sld>
-</file>
-
-<file path=ppt/slides/slide7.xml><?xml version="1.0" encoding="utf-8"?>
-<p:sld xmlns:a="http://schemas.openxmlformats.org/drawingml/2006/main" xmlns:r="http://schemas.openxmlformats.org/officeDocument/2006/relationships" xmlns:p="http://schemas.openxmlformats.org/presentationml/2006/main">
-  <p:cSld>
-    <p:spTree>
-      <p:nvGrpSpPr>
-        <p:cNvPr id="1" name=""/>
-        <p:cNvGrpSpPr/>
-        <p:nvPr/>
-      </p:nvGrpSpPr>
-      <p:grpSpPr>
-        <a:xfrm>
-          <a:off x="0" y="0"/>
-          <a:ext cx="0" cy="0"/>
-          <a:chOff x="0" y="0"/>
-          <a:chExt cx="0" cy="0"/>
-        </a:xfrm>
-      </p:grpSpPr>
-      <p:sp>
-        <p:nvSpPr>
-          <p:cNvPr id="2" name="Slide Number Placeholder 1"/>
-          <p:cNvSpPr>
-            <a:spLocks noGrp="1"/>
-          </p:cNvSpPr>
-          <p:nvPr>
-            <p:ph type="sldNum" sz="quarter" idx="12"/>
-          </p:nvPr>
-        </p:nvSpPr>
-        <p:spPr/>
-        <p:txBody>
-          <a:bodyPr/>
-          <a:lstStyle/>
-          <a:p>
-            <a:fld id="{DCE09022-C08B-4F34-B9F0-43AC160DA04C}" type="slidenum">
-              <a:rPr lang="it-IT" smtClean="0"/>
-              <a:pPr/>
-              <a:t>7</a:t>
-            </a:fld>
-            <a:r>
-              <a:rPr lang="it-IT" dirty="0"/>
-              <a:t>/XX</a:t>
-            </a:r>
-          </a:p>
-        </p:txBody>
-      </p:sp>
-      <p:sp>
-        <p:nvSpPr>
-          <p:cNvPr id="3" name="Title 2"/>
-          <p:cNvSpPr>
-            <a:spLocks noGrp="1"/>
-          </p:cNvSpPr>
-          <p:nvPr>
-            <p:ph type="title"/>
-          </p:nvPr>
-        </p:nvSpPr>
-        <p:spPr/>
-        <p:txBody>
-          <a:bodyPr/>
-          <a:lstStyle/>
-          <a:p>
-            <a:r>
-              <a:rPr lang="it-IT" dirty="0"/>
-              <a:t>Time on / Time off</a:t>
-            </a:r>
-          </a:p>
-        </p:txBody>
-      </p:sp>
-      <p:pic>
-        <p:nvPicPr>
-          <p:cNvPr id="4" name="Picture 3">
-            <a:extLst>
-              <a:ext uri="{FF2B5EF4-FFF2-40B4-BE49-F238E27FC236}">
-                <a16:creationId xmlns:a16="http://schemas.microsoft.com/office/drawing/2014/main" id="{89C4BA09-CDDA-3C84-481C-C7D5A9E426B5}"/>
-              </a:ext>
-            </a:extLst>
-          </p:cNvPr>
-          <p:cNvPicPr>
-            <a:picLocks noChangeAspect="1"/>
-          </p:cNvPicPr>
-          <p:nvPr/>
-        </p:nvPicPr>
-        <p:blipFill>
-          <a:blip r:embed="rId2"/>
-          <a:stretch>
-            <a:fillRect/>
-          </a:stretch>
-        </p:blipFill>
-        <p:spPr>
-          <a:xfrm>
-            <a:off x="6078597" y="1805133"/>
-            <a:ext cx="5554761" cy="3904393"/>
-          </a:xfrm>
-          <a:prstGeom prst="rect">
-            <a:avLst/>
-          </a:prstGeom>
-        </p:spPr>
-      </p:pic>
-      <p:sp>
-        <p:nvSpPr>
-          <p:cNvPr id="6" name="TextBox 5">
-            <a:extLst>
-              <a:ext uri="{FF2B5EF4-FFF2-40B4-BE49-F238E27FC236}">
-                <a16:creationId xmlns:a16="http://schemas.microsoft.com/office/drawing/2014/main" id="{B5C21E4D-3547-791C-7EB4-A0A30047983F}"/>
-              </a:ext>
-            </a:extLst>
-          </p:cNvPr>
-          <p:cNvSpPr txBox="1"/>
-          <p:nvPr/>
-        </p:nvSpPr>
-        <p:spPr>
-          <a:xfrm>
-            <a:off x="558641" y="1302026"/>
-            <a:ext cx="5017211" cy="4861355"/>
-          </a:xfrm>
-          <a:prstGeom prst="rect">
-            <a:avLst/>
-          </a:prstGeom>
-        </p:spPr>
-        <p:txBody>
-          <a:bodyPr vert="horz" lIns="91440" tIns="45720" rIns="91440" bIns="45720" rtlCol="0" anchor="t">
-            <a:normAutofit/>
-          </a:bodyPr>
-          <a:lstStyle/>
-          <a:p>
-            <a:pPr indent="-228600">
-              <a:lnSpc>
-                <a:spcPct val="90000"/>
-              </a:lnSpc>
-              <a:spcAft>
-                <a:spcPts val="600"/>
-              </a:spcAft>
-              <a:buFont typeface="Arial" panose="020B0604020202020204" pitchFamily="34" charset="0"/>
-              <a:buChar char="•"/>
-            </a:pPr>
-            <a:r>
-              <a:rPr lang="en-IT" sz="2400" dirty="0"/>
-              <a:t>For Proprioception </a:t>
-            </a:r>
-            <a:r>
-              <a:rPr lang="en-US" sz="2400" dirty="0"/>
-              <a:t>we add 250ms to the time-on data point and take 2.5 seconds from there</a:t>
-            </a:r>
-          </a:p>
-          <a:p>
-            <a:pPr indent="-228600">
-              <a:lnSpc>
-                <a:spcPct val="90000"/>
-              </a:lnSpc>
-              <a:spcAft>
-                <a:spcPts val="600"/>
-              </a:spcAft>
-              <a:buFont typeface="Arial" panose="020B0604020202020204" pitchFamily="34" charset="0"/>
-              <a:buChar char="•"/>
-            </a:pPr>
-            <a:endParaRPr lang="en-US" sz="2400" dirty="0"/>
-          </a:p>
-          <a:p>
-            <a:pPr indent="-228600">
-              <a:lnSpc>
-                <a:spcPct val="90000"/>
-              </a:lnSpc>
-              <a:spcAft>
-                <a:spcPts val="600"/>
-              </a:spcAft>
-              <a:buFont typeface="Arial" panose="020B0604020202020204" pitchFamily="34" charset="0"/>
-              <a:buChar char="•"/>
-            </a:pPr>
-            <a:r>
-              <a:rPr lang="en-US" sz="2400" dirty="0"/>
-              <a:t>For Touch we add 500ms to the time-on data point and then take 2.5 seconds.</a:t>
-            </a:r>
-          </a:p>
-          <a:p>
-            <a:pPr indent="-228600">
-              <a:lnSpc>
-                <a:spcPct val="90000"/>
-              </a:lnSpc>
-              <a:spcAft>
-                <a:spcPts val="600"/>
-              </a:spcAft>
-              <a:buFont typeface="Arial" panose="020B0604020202020204" pitchFamily="34" charset="0"/>
-              <a:buChar char="•"/>
-            </a:pPr>
-            <a:endParaRPr lang="en-US" sz="2400" dirty="0"/>
-          </a:p>
-          <a:p>
-            <a:pPr indent="-228600">
-              <a:lnSpc>
-                <a:spcPct val="90000"/>
-              </a:lnSpc>
-              <a:spcAft>
-                <a:spcPts val="600"/>
-              </a:spcAft>
-              <a:buFont typeface="Arial" panose="020B0604020202020204" pitchFamily="34" charset="0"/>
-              <a:buChar char="•"/>
-            </a:pPr>
-            <a:r>
-              <a:rPr lang="en-US" sz="2400" dirty="0"/>
-              <a:t>We can use the 17</a:t>
-            </a:r>
-            <a:r>
-              <a:rPr lang="en-US" sz="2400" baseline="30000" dirty="0"/>
-              <a:t>th</a:t>
-            </a:r>
-            <a:r>
-              <a:rPr lang="en-US" sz="2400" dirty="0"/>
-              <a:t> channel to have an idea of the movement.</a:t>
-            </a:r>
-            <a:r>
-              <a:rPr lang="en-IT" sz="2400" dirty="0"/>
-              <a:t> (Shown in black in the image)</a:t>
-            </a:r>
-            <a:endParaRPr lang="en-US" sz="2400" dirty="0"/>
-          </a:p>
-        </p:txBody>
-      </p:sp>
-    </p:spTree>
-    <p:extLst>
-      <p:ext uri="{BB962C8B-B14F-4D97-AF65-F5344CB8AC3E}">
-        <p14:creationId xmlns:p14="http://schemas.microsoft.com/office/powerpoint/2010/main" val="3100802917"/>
       </p:ext>
     </p:extLst>
   </p:cSld>
@@ -3665,46 +5391,60 @@
           <a:lstStyle/>
           <a:p>
             <a:r>
+              <a:rPr lang="it-IT" dirty="0" err="1"/>
+              <a:t>Ensamble</a:t>
+            </a:r>
+            <a:r>
               <a:rPr lang="it-IT" dirty="0"/>
-              <a:t>Time on / Time off</a:t>
-            </a:r>
-          </a:p>
-        </p:txBody>
-      </p:sp>
-      <p:pic>
-        <p:nvPicPr>
-          <p:cNvPr id="6" name="Picture 5">
+              <a:t> </a:t>
+            </a:r>
+            <a:r>
+              <a:rPr lang="it-IT" dirty="0" err="1"/>
+              <a:t>method</a:t>
+            </a:r>
+            <a:endParaRPr lang="it-IT" dirty="0"/>
+          </a:p>
+        </p:txBody>
+      </p:sp>
+      <p:sp>
+        <p:nvSpPr>
+          <p:cNvPr id="4" name="TextBox 3">
             <a:extLst>
               <a:ext uri="{FF2B5EF4-FFF2-40B4-BE49-F238E27FC236}">
-                <a16:creationId xmlns:a16="http://schemas.microsoft.com/office/drawing/2014/main" id="{491E1416-27B2-8641-FCF5-F338F4404EE5}"/>
+                <a16:creationId xmlns:a16="http://schemas.microsoft.com/office/drawing/2014/main" id="{0C46C8B1-3119-D3D4-172C-4466B23341BB}"/>
               </a:ext>
             </a:extLst>
           </p:cNvPr>
-          <p:cNvPicPr>
-            <a:picLocks noChangeAspect="1"/>
-          </p:cNvPicPr>
+          <p:cNvSpPr txBox="1"/>
           <p:nvPr/>
-        </p:nvPicPr>
-        <p:blipFill>
-          <a:blip r:embed="rId2"/>
-          <a:stretch>
-            <a:fillRect/>
-          </a:stretch>
-        </p:blipFill>
+        </p:nvSpPr>
         <p:spPr>
           <a:xfrm>
-            <a:off x="7076626" y="1061551"/>
-            <a:ext cx="5077457" cy="3261971"/>
+            <a:off x="377686" y="1148474"/>
+            <a:ext cx="11602189" cy="830997"/>
           </a:xfrm>
           <a:prstGeom prst="rect">
             <a:avLst/>
           </a:prstGeom>
+          <a:noFill/>
         </p:spPr>
-      </p:pic>
+        <p:txBody>
+          <a:bodyPr wrap="square">
+            <a:spAutoFit/>
+          </a:bodyPr>
+          <a:lstStyle/>
+          <a:p>
+            <a:r>
+              <a:rPr lang="en-IT" sz="2400" dirty="0"/>
+              <a:t>Maybe keep big well-trained general models to ensamble with the one we train fast with the patient</a:t>
+            </a:r>
+          </a:p>
+        </p:txBody>
+      </p:sp>
     </p:spTree>
     <p:extLst>
       <p:ext uri="{BB962C8B-B14F-4D97-AF65-F5344CB8AC3E}">
-        <p14:creationId xmlns:p14="http://schemas.microsoft.com/office/powerpoint/2010/main" val="1237886416"/>
+        <p14:creationId xmlns:p14="http://schemas.microsoft.com/office/powerpoint/2010/main" val="2312121813"/>
       </p:ext>
     </p:extLst>
   </p:cSld>
@@ -3775,58 +5515,15 @@
           <a:p>
             <a:r>
               <a:rPr lang="it-IT" dirty="0"/>
-              <a:t>Save data after </a:t>
-            </a:r>
-            <a:r>
-              <a:rPr lang="it-IT" dirty="0" err="1"/>
-              <a:t>timeons</a:t>
-            </a:r>
-            <a:r>
-              <a:rPr lang="it-IT" dirty="0"/>
-              <a:t> and </a:t>
-            </a:r>
-            <a:r>
-              <a:rPr lang="it-IT" dirty="0" err="1"/>
-              <a:t>offs</a:t>
-            </a:r>
-            <a:endParaRPr lang="it-IT" dirty="0"/>
-          </a:p>
-        </p:txBody>
-      </p:sp>
-      <p:pic>
-        <p:nvPicPr>
-          <p:cNvPr id="4" name="Picture 3">
-            <a:extLst>
-              <a:ext uri="{FF2B5EF4-FFF2-40B4-BE49-F238E27FC236}">
-                <a16:creationId xmlns:a16="http://schemas.microsoft.com/office/drawing/2014/main" id="{7E2B58C1-4BF7-6EC7-0B46-9CD9B0EEDE0E}"/>
-              </a:ext>
-            </a:extLst>
-          </p:cNvPr>
-          <p:cNvPicPr>
-            <a:picLocks noChangeAspect="1"/>
-          </p:cNvPicPr>
-          <p:nvPr/>
-        </p:nvPicPr>
-        <p:blipFill>
-          <a:blip r:embed="rId2"/>
-          <a:stretch>
-            <a:fillRect/>
-          </a:stretch>
-        </p:blipFill>
-        <p:spPr>
-          <a:xfrm>
-            <a:off x="3517900" y="2978150"/>
-            <a:ext cx="5156200" cy="901700"/>
-          </a:xfrm>
-          <a:prstGeom prst="rect">
-            <a:avLst/>
-          </a:prstGeom>
-        </p:spPr>
-      </p:pic>
+              <a:t>EEG Model</a:t>
+            </a:r>
+          </a:p>
+        </p:txBody>
+      </p:sp>
     </p:spTree>
     <p:extLst>
       <p:ext uri="{BB962C8B-B14F-4D97-AF65-F5344CB8AC3E}">
-        <p14:creationId xmlns:p14="http://schemas.microsoft.com/office/powerpoint/2010/main" val="1748849852"/>
+        <p14:creationId xmlns:p14="http://schemas.microsoft.com/office/powerpoint/2010/main" val="548138686"/>
       </p:ext>
     </p:extLst>
   </p:cSld>
